--- a/learn-bizapps-pr/dyn365-field-service/get-started-with-connected-field-service/media_layered/RegDeviceDataModel.pptx
+++ b/learn-bizapps-pr/dyn365-field-service/get-started-with-connected-field-service/media_layered/RegDeviceDataModel.pptx
@@ -4,12 +4,17 @@
   <p:sldMasterIdLst>
     <p:sldMasterId id="2147483648" r:id="rId1"/>
   </p:sldMasterIdLst>
+  <p:notesMasterIdLst>
+    <p:notesMasterId r:id="rId9"/>
+  </p:notesMasterIdLst>
   <p:sldIdLst>
     <p:sldId id="256" r:id="rId2"/>
     <p:sldId id="257" r:id="rId3"/>
     <p:sldId id="258" r:id="rId4"/>
     <p:sldId id="259" r:id="rId5"/>
     <p:sldId id="260" r:id="rId6"/>
+    <p:sldId id="489" r:id="rId7"/>
+    <p:sldId id="490" r:id="rId8"/>
   </p:sldIdLst>
   <p:sldSz cx="12192000" cy="6858000"/>
   <p:notesSz cx="6858000" cy="9144000"/>
@@ -116,6 +121,924 @@
 </p:presentation>
 </file>
 
+<file path=ppt/notesMasters/notesMaster1.xml><?xml version="1.0" encoding="utf-8"?>
+<p:notesMaster xmlns:a="http://schemas.openxmlformats.org/drawingml/2006/main" xmlns:r="http://schemas.openxmlformats.org/officeDocument/2006/relationships" xmlns:p="http://schemas.openxmlformats.org/presentationml/2006/main">
+  <p:cSld>
+    <p:bg>
+      <p:bgRef idx="1001">
+        <a:schemeClr val="bg1"/>
+      </p:bgRef>
+    </p:bg>
+    <p:spTree>
+      <p:nvGrpSpPr>
+        <p:cNvPr id="1" name=""/>
+        <p:cNvGrpSpPr/>
+        <p:nvPr/>
+      </p:nvGrpSpPr>
+      <p:grpSpPr>
+        <a:xfrm>
+          <a:off x="0" y="0"/>
+          <a:ext cx="0" cy="0"/>
+          <a:chOff x="0" y="0"/>
+          <a:chExt cx="0" cy="0"/>
+        </a:xfrm>
+      </p:grpSpPr>
+      <p:sp>
+        <p:nvSpPr>
+          <p:cNvPr id="2" name="Header Placeholder 1"/>
+          <p:cNvSpPr>
+            <a:spLocks noGrp="1"/>
+          </p:cNvSpPr>
+          <p:nvPr>
+            <p:ph type="hdr" sz="quarter"/>
+          </p:nvPr>
+        </p:nvSpPr>
+        <p:spPr>
+          <a:xfrm>
+            <a:off x="0" y="0"/>
+            <a:ext cx="2971800" cy="458788"/>
+          </a:xfrm>
+          <a:prstGeom prst="rect">
+            <a:avLst/>
+          </a:prstGeom>
+        </p:spPr>
+        <p:txBody>
+          <a:bodyPr vert="horz" lIns="91440" tIns="45720" rIns="91440" bIns="45720" rtlCol="0"/>
+          <a:lstStyle>
+            <a:lvl1pPr algn="l">
+              <a:defRPr sz="1200"/>
+            </a:lvl1pPr>
+          </a:lstStyle>
+          <a:p>
+            <a:endParaRPr lang="en-US"/>
+          </a:p>
+        </p:txBody>
+      </p:sp>
+      <p:sp>
+        <p:nvSpPr>
+          <p:cNvPr id="3" name="Date Placeholder 2"/>
+          <p:cNvSpPr>
+            <a:spLocks noGrp="1"/>
+          </p:cNvSpPr>
+          <p:nvPr>
+            <p:ph type="dt" idx="1"/>
+          </p:nvPr>
+        </p:nvSpPr>
+        <p:spPr>
+          <a:xfrm>
+            <a:off x="3884613" y="0"/>
+            <a:ext cx="2971800" cy="458788"/>
+          </a:xfrm>
+          <a:prstGeom prst="rect">
+            <a:avLst/>
+          </a:prstGeom>
+        </p:spPr>
+        <p:txBody>
+          <a:bodyPr vert="horz" lIns="91440" tIns="45720" rIns="91440" bIns="45720" rtlCol="0"/>
+          <a:lstStyle>
+            <a:lvl1pPr algn="r">
+              <a:defRPr sz="1200"/>
+            </a:lvl1pPr>
+          </a:lstStyle>
+          <a:p>
+            <a:fld id="{7E1331F5-B131-4E1F-B534-2F7BE747F622}" type="datetimeFigureOut">
+              <a:rPr lang="en-US" smtClean="0"/>
+              <a:t>10/3/2018</a:t>
+            </a:fld>
+            <a:endParaRPr lang="en-US"/>
+          </a:p>
+        </p:txBody>
+      </p:sp>
+      <p:sp>
+        <p:nvSpPr>
+          <p:cNvPr id="4" name="Slide Image Placeholder 3"/>
+          <p:cNvSpPr>
+            <a:spLocks noGrp="1" noRot="1" noChangeAspect="1"/>
+          </p:cNvSpPr>
+          <p:nvPr>
+            <p:ph type="sldImg" idx="2"/>
+          </p:nvPr>
+        </p:nvSpPr>
+        <p:spPr>
+          <a:xfrm>
+            <a:off x="685800" y="1143000"/>
+            <a:ext cx="5486400" cy="3086100"/>
+          </a:xfrm>
+          <a:prstGeom prst="rect">
+            <a:avLst/>
+          </a:prstGeom>
+          <a:noFill/>
+          <a:ln w="12700">
+            <a:solidFill>
+              <a:prstClr val="black"/>
+            </a:solidFill>
+          </a:ln>
+        </p:spPr>
+        <p:txBody>
+          <a:bodyPr vert="horz" lIns="91440" tIns="45720" rIns="91440" bIns="45720" rtlCol="0" anchor="ctr"/>
+          <a:lstStyle/>
+          <a:p>
+            <a:endParaRPr lang="en-US"/>
+          </a:p>
+        </p:txBody>
+      </p:sp>
+      <p:sp>
+        <p:nvSpPr>
+          <p:cNvPr id="5" name="Notes Placeholder 4"/>
+          <p:cNvSpPr>
+            <a:spLocks noGrp="1"/>
+          </p:cNvSpPr>
+          <p:nvPr>
+            <p:ph type="body" sz="quarter" idx="3"/>
+          </p:nvPr>
+        </p:nvSpPr>
+        <p:spPr>
+          <a:xfrm>
+            <a:off x="685800" y="4400550"/>
+            <a:ext cx="5486400" cy="3600450"/>
+          </a:xfrm>
+          <a:prstGeom prst="rect">
+            <a:avLst/>
+          </a:prstGeom>
+        </p:spPr>
+        <p:txBody>
+          <a:bodyPr vert="horz" lIns="91440" tIns="45720" rIns="91440" bIns="45720" rtlCol="0"/>
+          <a:lstStyle/>
+          <a:p>
+            <a:pPr lvl="0"/>
+            <a:r>
+              <a:rPr lang="en-US"/>
+              <a:t>Edit Master text styles</a:t>
+            </a:r>
+          </a:p>
+          <a:p>
+            <a:pPr lvl="1"/>
+            <a:r>
+              <a:rPr lang="en-US"/>
+              <a:t>Second level</a:t>
+            </a:r>
+          </a:p>
+          <a:p>
+            <a:pPr lvl="2"/>
+            <a:r>
+              <a:rPr lang="en-US"/>
+              <a:t>Third level</a:t>
+            </a:r>
+          </a:p>
+          <a:p>
+            <a:pPr lvl="3"/>
+            <a:r>
+              <a:rPr lang="en-US"/>
+              <a:t>Fourth level</a:t>
+            </a:r>
+          </a:p>
+          <a:p>
+            <a:pPr lvl="4"/>
+            <a:r>
+              <a:rPr lang="en-US"/>
+              <a:t>Fifth level</a:t>
+            </a:r>
+          </a:p>
+        </p:txBody>
+      </p:sp>
+      <p:sp>
+        <p:nvSpPr>
+          <p:cNvPr id="6" name="Footer Placeholder 5"/>
+          <p:cNvSpPr>
+            <a:spLocks noGrp="1"/>
+          </p:cNvSpPr>
+          <p:nvPr>
+            <p:ph type="ftr" sz="quarter" idx="4"/>
+          </p:nvPr>
+        </p:nvSpPr>
+        <p:spPr>
+          <a:xfrm>
+            <a:off x="0" y="8685213"/>
+            <a:ext cx="2971800" cy="458787"/>
+          </a:xfrm>
+          <a:prstGeom prst="rect">
+            <a:avLst/>
+          </a:prstGeom>
+        </p:spPr>
+        <p:txBody>
+          <a:bodyPr vert="horz" lIns="91440" tIns="45720" rIns="91440" bIns="45720" rtlCol="0" anchor="b"/>
+          <a:lstStyle>
+            <a:lvl1pPr algn="l">
+              <a:defRPr sz="1200"/>
+            </a:lvl1pPr>
+          </a:lstStyle>
+          <a:p>
+            <a:endParaRPr lang="en-US"/>
+          </a:p>
+        </p:txBody>
+      </p:sp>
+      <p:sp>
+        <p:nvSpPr>
+          <p:cNvPr id="7" name="Slide Number Placeholder 6"/>
+          <p:cNvSpPr>
+            <a:spLocks noGrp="1"/>
+          </p:cNvSpPr>
+          <p:nvPr>
+            <p:ph type="sldNum" sz="quarter" idx="5"/>
+          </p:nvPr>
+        </p:nvSpPr>
+        <p:spPr>
+          <a:xfrm>
+            <a:off x="3884613" y="8685213"/>
+            <a:ext cx="2971800" cy="458787"/>
+          </a:xfrm>
+          <a:prstGeom prst="rect">
+            <a:avLst/>
+          </a:prstGeom>
+        </p:spPr>
+        <p:txBody>
+          <a:bodyPr vert="horz" lIns="91440" tIns="45720" rIns="91440" bIns="45720" rtlCol="0" anchor="b"/>
+          <a:lstStyle>
+            <a:lvl1pPr algn="r">
+              <a:defRPr sz="1200"/>
+            </a:lvl1pPr>
+          </a:lstStyle>
+          <a:p>
+            <a:fld id="{CCA98BE3-D76C-42F3-9201-E6B8CC62D5C2}" type="slidenum">
+              <a:rPr lang="en-US" smtClean="0"/>
+              <a:t>‹#›</a:t>
+            </a:fld>
+            <a:endParaRPr lang="en-US"/>
+          </a:p>
+        </p:txBody>
+      </p:sp>
+    </p:spTree>
+    <p:extLst>
+      <p:ext uri="{BB962C8B-B14F-4D97-AF65-F5344CB8AC3E}">
+        <p14:creationId xmlns:p14="http://schemas.microsoft.com/office/powerpoint/2010/main" val="2838380268"/>
+      </p:ext>
+    </p:extLst>
+  </p:cSld>
+  <p:clrMap bg1="lt1" tx1="dk1" bg2="lt2" tx2="dk2" accent1="accent1" accent2="accent2" accent3="accent3" accent4="accent4" accent5="accent5" accent6="accent6" hlink="hlink" folHlink="folHlink"/>
+  <p:notesStyle>
+    <a:lvl1pPr marL="0" algn="l" defTabSz="914400" rtl="0" eaLnBrk="1" latinLnBrk="0" hangingPunct="1">
+      <a:defRPr sz="1200" kern="1200">
+        <a:solidFill>
+          <a:schemeClr val="tx1"/>
+        </a:solidFill>
+        <a:latin typeface="+mn-lt"/>
+        <a:ea typeface="+mn-ea"/>
+        <a:cs typeface="+mn-cs"/>
+      </a:defRPr>
+    </a:lvl1pPr>
+    <a:lvl2pPr marL="457200" algn="l" defTabSz="914400" rtl="0" eaLnBrk="1" latinLnBrk="0" hangingPunct="1">
+      <a:defRPr sz="1200" kern="1200">
+        <a:solidFill>
+          <a:schemeClr val="tx1"/>
+        </a:solidFill>
+        <a:latin typeface="+mn-lt"/>
+        <a:ea typeface="+mn-ea"/>
+        <a:cs typeface="+mn-cs"/>
+      </a:defRPr>
+    </a:lvl2pPr>
+    <a:lvl3pPr marL="914400" algn="l" defTabSz="914400" rtl="0" eaLnBrk="1" latinLnBrk="0" hangingPunct="1">
+      <a:defRPr sz="1200" kern="1200">
+        <a:solidFill>
+          <a:schemeClr val="tx1"/>
+        </a:solidFill>
+        <a:latin typeface="+mn-lt"/>
+        <a:ea typeface="+mn-ea"/>
+        <a:cs typeface="+mn-cs"/>
+      </a:defRPr>
+    </a:lvl3pPr>
+    <a:lvl4pPr marL="1371600" algn="l" defTabSz="914400" rtl="0" eaLnBrk="1" latinLnBrk="0" hangingPunct="1">
+      <a:defRPr sz="1200" kern="1200">
+        <a:solidFill>
+          <a:schemeClr val="tx1"/>
+        </a:solidFill>
+        <a:latin typeface="+mn-lt"/>
+        <a:ea typeface="+mn-ea"/>
+        <a:cs typeface="+mn-cs"/>
+      </a:defRPr>
+    </a:lvl4pPr>
+    <a:lvl5pPr marL="1828800" algn="l" defTabSz="914400" rtl="0" eaLnBrk="1" latinLnBrk="0" hangingPunct="1">
+      <a:defRPr sz="1200" kern="1200">
+        <a:solidFill>
+          <a:schemeClr val="tx1"/>
+        </a:solidFill>
+        <a:latin typeface="+mn-lt"/>
+        <a:ea typeface="+mn-ea"/>
+        <a:cs typeface="+mn-cs"/>
+      </a:defRPr>
+    </a:lvl5pPr>
+    <a:lvl6pPr marL="2286000" algn="l" defTabSz="914400" rtl="0" eaLnBrk="1" latinLnBrk="0" hangingPunct="1">
+      <a:defRPr sz="1200" kern="1200">
+        <a:solidFill>
+          <a:schemeClr val="tx1"/>
+        </a:solidFill>
+        <a:latin typeface="+mn-lt"/>
+        <a:ea typeface="+mn-ea"/>
+        <a:cs typeface="+mn-cs"/>
+      </a:defRPr>
+    </a:lvl6pPr>
+    <a:lvl7pPr marL="2743200" algn="l" defTabSz="914400" rtl="0" eaLnBrk="1" latinLnBrk="0" hangingPunct="1">
+      <a:defRPr sz="1200" kern="1200">
+        <a:solidFill>
+          <a:schemeClr val="tx1"/>
+        </a:solidFill>
+        <a:latin typeface="+mn-lt"/>
+        <a:ea typeface="+mn-ea"/>
+        <a:cs typeface="+mn-cs"/>
+      </a:defRPr>
+    </a:lvl7pPr>
+    <a:lvl8pPr marL="3200400" algn="l" defTabSz="914400" rtl="0" eaLnBrk="1" latinLnBrk="0" hangingPunct="1">
+      <a:defRPr sz="1200" kern="1200">
+        <a:solidFill>
+          <a:schemeClr val="tx1"/>
+        </a:solidFill>
+        <a:latin typeface="+mn-lt"/>
+        <a:ea typeface="+mn-ea"/>
+        <a:cs typeface="+mn-cs"/>
+      </a:defRPr>
+    </a:lvl8pPr>
+    <a:lvl9pPr marL="3657600" algn="l" defTabSz="914400" rtl="0" eaLnBrk="1" latinLnBrk="0" hangingPunct="1">
+      <a:defRPr sz="1200" kern="1200">
+        <a:solidFill>
+          <a:schemeClr val="tx1"/>
+        </a:solidFill>
+        <a:latin typeface="+mn-lt"/>
+        <a:ea typeface="+mn-ea"/>
+        <a:cs typeface="+mn-cs"/>
+      </a:defRPr>
+    </a:lvl9pPr>
+  </p:notesStyle>
+</p:notesMaster>
+</file>
+
+<file path=ppt/notesSlides/notesSlide1.xml><?xml version="1.0" encoding="utf-8"?>
+<p:notes xmlns:a="http://schemas.openxmlformats.org/drawingml/2006/main" xmlns:r="http://schemas.openxmlformats.org/officeDocument/2006/relationships" xmlns:p="http://schemas.openxmlformats.org/presentationml/2006/main">
+  <p:cSld>
+    <p:spTree>
+      <p:nvGrpSpPr>
+        <p:cNvPr id="1" name=""/>
+        <p:cNvGrpSpPr/>
+        <p:nvPr/>
+      </p:nvGrpSpPr>
+      <p:grpSpPr>
+        <a:xfrm>
+          <a:off x="0" y="0"/>
+          <a:ext cx="0" cy="0"/>
+          <a:chOff x="0" y="0"/>
+          <a:chExt cx="0" cy="0"/>
+        </a:xfrm>
+      </p:grpSpPr>
+      <p:sp>
+        <p:nvSpPr>
+          <p:cNvPr id="2" name="Slide Image Placeholder 1"/>
+          <p:cNvSpPr>
+            <a:spLocks noGrp="1" noRot="1" noChangeAspect="1"/>
+          </p:cNvSpPr>
+          <p:nvPr>
+            <p:ph type="sldImg"/>
+          </p:nvPr>
+        </p:nvSpPr>
+        <p:spPr>
+          <a:xfrm>
+            <a:off x="3803650" y="871538"/>
+            <a:ext cx="3065463" cy="1724025"/>
+          </a:xfrm>
+        </p:spPr>
+      </p:sp>
+      <p:sp>
+        <p:nvSpPr>
+          <p:cNvPr id="3" name="Notes Placeholder 2"/>
+          <p:cNvSpPr>
+            <a:spLocks noGrp="1"/>
+          </p:cNvSpPr>
+          <p:nvPr>
+            <p:ph type="body" idx="1"/>
+          </p:nvPr>
+        </p:nvSpPr>
+        <p:spPr/>
+        <p:txBody>
+          <a:bodyPr/>
+          <a:lstStyle/>
+          <a:p>
+            <a:endParaRPr lang="en-US" dirty="0"/>
+          </a:p>
+          <a:p>
+            <a:endParaRPr lang="en-US" dirty="0"/>
+          </a:p>
+          <a:p>
+            <a:r>
+              <a:rPr lang="en-US" dirty="0"/>
+              <a:t>Component or service</a:t>
+            </a:r>
+          </a:p>
+          <a:p>
+            <a:r>
+              <a:rPr lang="en-US" dirty="0"/>
+              <a:t> </a:t>
+            </a:r>
+          </a:p>
+          <a:p>
+            <a:endParaRPr lang="en-US" dirty="0"/>
+          </a:p>
+          <a:p>
+            <a:r>
+              <a:rPr lang="en-US" dirty="0"/>
+              <a:t>Description/Purpose</a:t>
+            </a:r>
+          </a:p>
+          <a:p>
+            <a:r>
+              <a:rPr lang="en-US" dirty="0"/>
+              <a:t> </a:t>
+            </a:r>
+          </a:p>
+          <a:p>
+            <a:endParaRPr lang="en-US" dirty="0"/>
+          </a:p>
+          <a:p>
+            <a:r>
+              <a:rPr lang="en-US" dirty="0"/>
+              <a:t>Dynamics 365</a:t>
+            </a:r>
+          </a:p>
+          <a:p>
+            <a:r>
+              <a:rPr lang="en-US" dirty="0"/>
+              <a:t> </a:t>
+            </a:r>
+          </a:p>
+          <a:p>
+            <a:r>
+              <a:rPr lang="en-US" dirty="0"/>
+              <a:t>Includes the CRM Service and Field Service. The Connected Field Service feature is only available in the online version of Microsoft Dynamics 365. Dynamics 365 provides support for popular mobile clients, which can be used to register and monitor assets in the field. </a:t>
+            </a:r>
+          </a:p>
+          <a:p>
+            <a:r>
+              <a:rPr lang="en-US" dirty="0"/>
+              <a:t> </a:t>
+            </a:r>
+          </a:p>
+          <a:p>
+            <a:endParaRPr lang="en-US" dirty="0"/>
+          </a:p>
+          <a:p>
+            <a:r>
+              <a:rPr lang="en-US" dirty="0"/>
+              <a:t>Azure Service Bus</a:t>
+            </a:r>
+          </a:p>
+          <a:p>
+            <a:r>
+              <a:rPr lang="en-US" dirty="0"/>
+              <a:t> </a:t>
+            </a:r>
+          </a:p>
+          <a:p>
+            <a:r>
+              <a:rPr lang="en-US" dirty="0"/>
+              <a:t>Provides a channel for both inbound and outbound messages flowing between Dynamics 365 (CRM) and Azure: </a:t>
+            </a:r>
+            <a:r>
+              <a:rPr lang="en-US" dirty="0" err="1"/>
+              <a:t>IoT</a:t>
+            </a:r>
+            <a:r>
+              <a:rPr lang="en-US" dirty="0"/>
+              <a:t> Hub alerts sent to CRM, and CRM commands sent to the </a:t>
+            </a:r>
+            <a:r>
+              <a:rPr lang="en-US" dirty="0" err="1"/>
+              <a:t>IoT</a:t>
+            </a:r>
+            <a:r>
+              <a:rPr lang="en-US" dirty="0"/>
+              <a:t> Hub.</a:t>
+            </a:r>
+          </a:p>
+          <a:p>
+            <a:r>
+              <a:rPr lang="en-US" dirty="0"/>
+              <a:t> </a:t>
+            </a:r>
+          </a:p>
+          <a:p>
+            <a:endParaRPr lang="en-US" dirty="0"/>
+          </a:p>
+          <a:p>
+            <a:r>
+              <a:rPr lang="en-US" dirty="0"/>
+              <a:t>Azure Logic Apps </a:t>
+            </a:r>
+          </a:p>
+          <a:p>
+            <a:r>
+              <a:rPr lang="en-US" dirty="0"/>
+              <a:t> </a:t>
+            </a:r>
+          </a:p>
+          <a:p>
+            <a:r>
+              <a:rPr lang="en-US" dirty="0"/>
+              <a:t>Custom Azure applications that provide orchestration logic that uses the CRM Connector and the Queue Connector. The CRM Connector is used construct CRM-specific entities, whereas the Queue Connectors for polling the Azure Service Bus queue.</a:t>
+            </a:r>
+          </a:p>
+          <a:p>
+            <a:r>
+              <a:rPr lang="en-US" dirty="0"/>
+              <a:t> </a:t>
+            </a:r>
+          </a:p>
+          <a:p>
+            <a:endParaRPr lang="en-US" dirty="0"/>
+          </a:p>
+          <a:p>
+            <a:r>
+              <a:rPr lang="en-US" dirty="0"/>
+              <a:t>Azure </a:t>
+            </a:r>
+            <a:r>
+              <a:rPr lang="en-US" dirty="0" err="1"/>
+              <a:t>IoT</a:t>
+            </a:r>
+            <a:r>
+              <a:rPr lang="en-US" dirty="0"/>
+              <a:t> Hub</a:t>
+            </a:r>
+          </a:p>
+          <a:p>
+            <a:r>
+              <a:rPr lang="en-US" dirty="0"/>
+              <a:t> </a:t>
+            </a:r>
+          </a:p>
+          <a:p>
+            <a:r>
+              <a:rPr lang="en-US" dirty="0"/>
+              <a:t>Enables applications and administrators to connect, monitor, and manage </a:t>
+            </a:r>
+            <a:r>
+              <a:rPr lang="en-US" dirty="0" err="1"/>
+              <a:t>IoT</a:t>
+            </a:r>
+            <a:r>
+              <a:rPr lang="en-US" dirty="0"/>
+              <a:t> devices at scale. All the inbound messages received from and outbound messages sent to devices are routed through this service. </a:t>
+            </a:r>
+          </a:p>
+          <a:p>
+            <a:r>
+              <a:rPr lang="en-US" dirty="0"/>
+              <a:t> </a:t>
+            </a:r>
+          </a:p>
+          <a:p>
+            <a:endParaRPr lang="en-US" dirty="0"/>
+          </a:p>
+          <a:p>
+            <a:r>
+              <a:rPr lang="en-US" dirty="0"/>
+              <a:t>Azure Storage</a:t>
+            </a:r>
+          </a:p>
+          <a:p>
+            <a:r>
+              <a:rPr lang="en-US" dirty="0"/>
+              <a:t> </a:t>
+            </a:r>
+          </a:p>
+          <a:p>
+            <a:r>
+              <a:rPr lang="en-US" dirty="0"/>
+              <a:t>Provides persistence using a set of standard structures that include Blob storage (object storage), Table storage, and File storage. Stream Analytics queries use Blob storage.</a:t>
+            </a:r>
+          </a:p>
+          <a:p>
+            <a:r>
+              <a:rPr lang="en-US" dirty="0"/>
+              <a:t> </a:t>
+            </a:r>
+          </a:p>
+          <a:p>
+            <a:endParaRPr lang="en-US" dirty="0"/>
+          </a:p>
+          <a:p>
+            <a:r>
+              <a:rPr lang="en-US" dirty="0"/>
+              <a:t>Databases</a:t>
+            </a:r>
+          </a:p>
+          <a:p>
+            <a:r>
+              <a:rPr lang="en-US" dirty="0"/>
+              <a:t> </a:t>
+            </a:r>
+          </a:p>
+          <a:p>
+            <a:r>
+              <a:rPr lang="en-US" dirty="0"/>
+              <a:t>For longer-term storage and querying of raw data, events, and analytical data: commonly Azure SQL for relational data and </a:t>
+            </a:r>
+            <a:r>
+              <a:rPr lang="en-US" dirty="0" err="1"/>
+              <a:t>DocumentDB</a:t>
+            </a:r>
+            <a:r>
+              <a:rPr lang="en-US" dirty="0"/>
+              <a:t> for semi-structured data. Connected Field Service uses SQL Azure to store device heartbeat messages for later use by </a:t>
+            </a:r>
+            <a:r>
+              <a:rPr lang="en-US" dirty="0" err="1"/>
+              <a:t>PowerBI</a:t>
+            </a:r>
+            <a:r>
+              <a:rPr lang="en-US" dirty="0"/>
+              <a:t> to display the status of devices in Dynamics 365.</a:t>
+            </a:r>
+          </a:p>
+          <a:p>
+            <a:r>
+              <a:rPr lang="en-US" dirty="0"/>
+              <a:t> </a:t>
+            </a:r>
+          </a:p>
+          <a:p>
+            <a:endParaRPr lang="en-US" dirty="0"/>
+          </a:p>
+          <a:p>
+            <a:r>
+              <a:rPr lang="en-US" dirty="0"/>
+              <a:t>Azure Stream Analytics</a:t>
+            </a:r>
+          </a:p>
+          <a:p>
+            <a:r>
+              <a:rPr lang="en-US" dirty="0"/>
+              <a:t> </a:t>
+            </a:r>
+          </a:p>
+          <a:p>
+            <a:r>
+              <a:rPr lang="en-US" dirty="0"/>
+              <a:t>Provides self-managed, real-time event processing and analysis on streaming data, such as </a:t>
+            </a:r>
+            <a:r>
+              <a:rPr lang="en-US" dirty="0" err="1"/>
+              <a:t>IoT</a:t>
+            </a:r>
+            <a:r>
+              <a:rPr lang="en-US" dirty="0"/>
+              <a:t> data feeds. Supports comparing different streams or with historical values and models. It can detect anomalies, shape incoming data, trigger alerts and provide real-time metrics. Ad-hoc queries are supported through an SQL-based language. Stream Analytics is configured to pump filtered alerts into an Azure Service Bus queue, which then delivers these to Dynamics 365. </a:t>
+            </a:r>
+          </a:p>
+          <a:p>
+            <a:r>
+              <a:rPr lang="en-US" dirty="0"/>
+              <a:t> </a:t>
+            </a:r>
+          </a:p>
+          <a:p>
+            <a:endParaRPr lang="en-US" dirty="0"/>
+          </a:p>
+          <a:p>
+            <a:r>
+              <a:rPr lang="en-US" dirty="0"/>
+              <a:t>Thermostat Simulator</a:t>
+            </a:r>
+          </a:p>
+          <a:p>
+            <a:r>
+              <a:rPr lang="en-US" dirty="0"/>
+              <a:t> </a:t>
+            </a:r>
+          </a:p>
+          <a:p>
+            <a:r>
+              <a:rPr lang="en-US" dirty="0"/>
+              <a:t>A test web app that provides sample temperature and humidity device data and responds to a small set of device-specific commands. </a:t>
+            </a:r>
+          </a:p>
+          <a:p>
+            <a:r>
+              <a:rPr lang="en-US" dirty="0"/>
+              <a:t> </a:t>
+            </a:r>
+          </a:p>
+          <a:p>
+            <a:endParaRPr lang="en-US" dirty="0"/>
+          </a:p>
+          <a:p>
+            <a:r>
+              <a:rPr lang="en-US" dirty="0"/>
+              <a:t>Power BI service </a:t>
+            </a:r>
+          </a:p>
+          <a:p>
+            <a:r>
+              <a:rPr lang="en-US" dirty="0"/>
+              <a:t> </a:t>
+            </a:r>
+          </a:p>
+          <a:p>
+            <a:r>
+              <a:rPr lang="en-US" dirty="0"/>
+              <a:t>[Optional] Provides advanced analysis and 360-degree visualization of data sets, with rich interaction models and natural search features. </a:t>
+            </a:r>
+          </a:p>
+          <a:p>
+            <a:r>
+              <a:rPr lang="en-US" dirty="0"/>
+              <a:t> </a:t>
+            </a:r>
+          </a:p>
+          <a:p>
+            <a:endParaRPr lang="en-US" dirty="0"/>
+          </a:p>
+          <a:p>
+            <a:r>
+              <a:rPr lang="en-US" dirty="0"/>
+              <a:t>Note that this list is not exhaustive when considering your customized solution, as there are other Azure services or custom components that could be used. For example, </a:t>
+            </a:r>
+            <a:r>
+              <a:rPr lang="en-US" dirty="0">
+                <a:hlinkClick r:id="rId3"/>
+              </a:rPr>
+              <a:t>Azure Machine Learning</a:t>
+            </a:r>
+            <a:r>
+              <a:rPr lang="en-US" dirty="0"/>
+              <a:t> could be employed to discern patterns in the incoming device data in order to predict likely device malfunctions. </a:t>
+            </a:r>
+          </a:p>
+          <a:p>
+            <a:r>
+              <a:rPr lang="en-US" dirty="0"/>
+              <a:t>The red components in the diagram represent likely areas for developer customization when creating solutions for your organization. For example, your solution will probably have its own simulator for your device type(s) and a custom workflow to handle device alerts. Source code for the standard CRM and Queue Connectors will be publicly released; the source for the Thermostat Simulator will not be released. </a:t>
+            </a:r>
+          </a:p>
+          <a:p>
+            <a:endParaRPr lang="en-US" dirty="0"/>
+          </a:p>
+        </p:txBody>
+      </p:sp>
+      <p:sp>
+        <p:nvSpPr>
+          <p:cNvPr id="4" name="Header Placeholder 3"/>
+          <p:cNvSpPr>
+            <a:spLocks noGrp="1"/>
+          </p:cNvSpPr>
+          <p:nvPr>
+            <p:ph type="hdr" sz="quarter" idx="10"/>
+          </p:nvPr>
+        </p:nvSpPr>
+        <p:spPr/>
+        <p:txBody>
+          <a:bodyPr/>
+          <a:lstStyle/>
+          <a:p>
+            <a:r>
+              <a:rPr lang="en-US"/>
+              <a:t>SMSG Readiness</a:t>
+            </a:r>
+            <a:endParaRPr lang="en-US" dirty="0"/>
+          </a:p>
+        </p:txBody>
+      </p:sp>
+      <p:sp>
+        <p:nvSpPr>
+          <p:cNvPr id="5" name="Footer Placeholder 4"/>
+          <p:cNvSpPr>
+            <a:spLocks noGrp="1"/>
+          </p:cNvSpPr>
+          <p:nvPr>
+            <p:ph type="ftr" sz="quarter" idx="11"/>
+          </p:nvPr>
+        </p:nvSpPr>
+        <p:spPr/>
+        <p:txBody>
+          <a:bodyPr/>
+          <a:lstStyle/>
+          <a:p>
+            <a:pPr defTabSz="939054" eaLnBrk="0" hangingPunct="0"/>
+            <a:r>
+              <a:rPr lang="en-US" sz="400">
+                <a:gradFill>
+                  <a:gsLst>
+                    <a:gs pos="0">
+                      <a:prstClr val="black"/>
+                    </a:gs>
+                    <a:gs pos="100000">
+                      <a:prstClr val="black"/>
+                    </a:gs>
+                  </a:gsLst>
+                  <a:lin ang="5400000" scaled="0"/>
+                </a:gradFill>
+                <a:latin typeface="Segoe UI" pitchFamily="34" charset="0"/>
+                <a:ea typeface="Segoe UI" pitchFamily="34" charset="0"/>
+                <a:cs typeface="Segoe UI" pitchFamily="34" charset="0"/>
+              </a:rPr>
+              <a:t>© 2013 Microsoft Corporation. All rights reserved. Microsoft, Windows, and other product names are or may be registered trademarks and/or trademarks in the U.S. and/or other countries.</a:t>
+            </a:r>
+          </a:p>
+          <a:p>
+            <a:pPr defTabSz="939054" eaLnBrk="0" hangingPunct="0"/>
+            <a:r>
+              <a:rPr lang="en-US" sz="400">
+                <a:gradFill>
+                  <a:gsLst>
+                    <a:gs pos="0">
+                      <a:prstClr val="black"/>
+                    </a:gs>
+                    <a:gs pos="100000">
+                      <a:prstClr val="black"/>
+                    </a:gs>
+                  </a:gsLst>
+                  <a:lin ang="5400000" scaled="0"/>
+                </a:gradFill>
+                <a:latin typeface="Segoe UI" pitchFamily="34" charset="0"/>
+                <a:ea typeface="Segoe UI" pitchFamily="34" charset="0"/>
+                <a:cs typeface="Segoe UI" pitchFamily="34" charset="0"/>
+              </a:rPr>
+              <a:t>The information herein is for informational purposes only and represents the current view of Microsoft Corporation as of the date of this presentation.  Because Microsoft must respond to changing market conditions, it should not be interpreted to be a commitment on the part of Microsoft, and Microsoft cannot guarantee the accuracy of any information provided after the date of this presentation.  MICROSOFT MAKES NO WARRANTIES, EXPRESS, IMPLIED OR STATUTORY, AS TO THE INFORMATION IN THIS PRESENTATION.</a:t>
+            </a:r>
+            <a:endParaRPr lang="en-US" sz="400" dirty="0">
+              <a:gradFill>
+                <a:gsLst>
+                  <a:gs pos="0">
+                    <a:prstClr val="black"/>
+                  </a:gs>
+                  <a:gs pos="100000">
+                    <a:prstClr val="black"/>
+                  </a:gs>
+                </a:gsLst>
+                <a:lin ang="5400000" scaled="0"/>
+              </a:gradFill>
+              <a:latin typeface="Segoe UI" pitchFamily="34" charset="0"/>
+              <a:ea typeface="Segoe UI" pitchFamily="34" charset="0"/>
+              <a:cs typeface="Segoe UI" pitchFamily="34" charset="0"/>
+            </a:endParaRPr>
+          </a:p>
+        </p:txBody>
+      </p:sp>
+      <p:sp>
+        <p:nvSpPr>
+          <p:cNvPr id="6" name="Date Placeholder 5"/>
+          <p:cNvSpPr>
+            <a:spLocks noGrp="1"/>
+          </p:cNvSpPr>
+          <p:nvPr>
+            <p:ph type="dt" idx="12"/>
+          </p:nvPr>
+        </p:nvSpPr>
+        <p:spPr/>
+        <p:txBody>
+          <a:bodyPr/>
+          <a:lstStyle/>
+          <a:p>
+            <a:fld id="{0E77B2B4-D237-4BCC-95D9-1D4EDEE25D63}" type="datetime1">
+              <a:rPr lang="en-US" smtClean="0"/>
+              <a:t>10/3/2018</a:t>
+            </a:fld>
+            <a:endParaRPr lang="en-US" dirty="0"/>
+          </a:p>
+        </p:txBody>
+      </p:sp>
+      <p:sp>
+        <p:nvSpPr>
+          <p:cNvPr id="7" name="Slide Number Placeholder 6"/>
+          <p:cNvSpPr>
+            <a:spLocks noGrp="1"/>
+          </p:cNvSpPr>
+          <p:nvPr>
+            <p:ph type="sldNum" sz="quarter" idx="13"/>
+          </p:nvPr>
+        </p:nvSpPr>
+        <p:spPr/>
+        <p:txBody>
+          <a:bodyPr/>
+          <a:lstStyle/>
+          <a:p>
+            <a:fld id="{B4008EB6-D09E-4580-8CD6-DDB14511944F}" type="slidenum">
+              <a:rPr lang="en-US" smtClean="0"/>
+              <a:pPr/>
+              <a:t>6</a:t>
+            </a:fld>
+            <a:endParaRPr lang="en-US" dirty="0"/>
+          </a:p>
+        </p:txBody>
+      </p:sp>
+    </p:spTree>
+    <p:extLst>
+      <p:ext uri="{BB962C8B-B14F-4D97-AF65-F5344CB8AC3E}">
+        <p14:creationId xmlns:p14="http://schemas.microsoft.com/office/powerpoint/2010/main" val="3703811070"/>
+      </p:ext>
+    </p:extLst>
+  </p:cSld>
+  <p:clrMapOvr>
+    <a:masterClrMapping/>
+  </p:clrMapOvr>
+</p:notes>
+</file>
+
 <file path=ppt/slideLayouts/slideLayout1.xml><?xml version="1.0" encoding="utf-8"?>
 <p:sldLayout xmlns:a="http://schemas.openxmlformats.org/drawingml/2006/main" xmlns:r="http://schemas.openxmlformats.org/officeDocument/2006/relationships" xmlns:p="http://schemas.openxmlformats.org/presentationml/2006/main" type="title" preserve="1">
   <p:cSld name="Title Slide">
@@ -263,7 +1186,7 @@
           <a:p>
             <a:fld id="{339DDAA3-5622-45C1-817C-CD8290C3D02D}" type="datetimeFigureOut">
               <a:rPr lang="en-US" smtClean="0"/>
-              <a:t>9/7/2018</a:t>
+              <a:t>10/3/2018</a:t>
             </a:fld>
             <a:endParaRPr lang="en-US"/>
           </a:p>
@@ -461,7 +1384,7 @@
           <a:p>
             <a:fld id="{339DDAA3-5622-45C1-817C-CD8290C3D02D}" type="datetimeFigureOut">
               <a:rPr lang="en-US" smtClean="0"/>
-              <a:t>9/7/2018</a:t>
+              <a:t>10/3/2018</a:t>
             </a:fld>
             <a:endParaRPr lang="en-US"/>
           </a:p>
@@ -669,7 +1592,7 @@
           <a:p>
             <a:fld id="{339DDAA3-5622-45C1-817C-CD8290C3D02D}" type="datetimeFigureOut">
               <a:rPr lang="en-US" smtClean="0"/>
-              <a:t>9/7/2018</a:t>
+              <a:t>10/3/2018</a:t>
             </a:fld>
             <a:endParaRPr lang="en-US"/>
           </a:p>
@@ -739,6 +1662,129 @@
   <p:clrMapOvr>
     <a:masterClrMapping/>
   </p:clrMapOvr>
+</p:sldLayout>
+</file>
+
+<file path=ppt/slideLayouts/slideLayout12.xml><?xml version="1.0" encoding="utf-8"?>
+<p:sldLayout xmlns:a="http://schemas.openxmlformats.org/drawingml/2006/main" xmlns:r="http://schemas.openxmlformats.org/officeDocument/2006/relationships" xmlns:p="http://schemas.openxmlformats.org/presentationml/2006/main">
+  <p:cSld name="1_Title and Content">
+    <p:spTree>
+      <p:nvGrpSpPr>
+        <p:cNvPr id="1" name=""/>
+        <p:cNvGrpSpPr/>
+        <p:nvPr/>
+      </p:nvGrpSpPr>
+      <p:grpSpPr>
+        <a:xfrm>
+          <a:off x="0" y="0"/>
+          <a:ext cx="0" cy="0"/>
+          <a:chOff x="0" y="0"/>
+          <a:chExt cx="0" cy="0"/>
+        </a:xfrm>
+      </p:grpSpPr>
+      <p:sp>
+        <p:nvSpPr>
+          <p:cNvPr id="4" name="Text Placeholder 3"/>
+          <p:cNvSpPr>
+            <a:spLocks noGrp="1"/>
+          </p:cNvSpPr>
+          <p:nvPr>
+            <p:ph type="body" sz="quarter" idx="10"/>
+          </p:nvPr>
+        </p:nvSpPr>
+        <p:spPr>
+          <a:xfrm>
+            <a:off x="269240" y="1189178"/>
+            <a:ext cx="11653523" cy="2160591"/>
+          </a:xfrm>
+        </p:spPr>
+        <p:txBody>
+          <a:bodyPr>
+            <a:spAutoFit/>
+          </a:bodyPr>
+          <a:lstStyle/>
+          <a:p>
+            <a:pPr lvl="0"/>
+            <a:r>
+              <a:rPr lang="en-US"/>
+              <a:t>Click to edit Master text styles</a:t>
+            </a:r>
+          </a:p>
+          <a:p>
+            <a:pPr lvl="1"/>
+            <a:r>
+              <a:rPr lang="en-US"/>
+              <a:t>Second level</a:t>
+            </a:r>
+          </a:p>
+          <a:p>
+            <a:pPr lvl="2"/>
+            <a:r>
+              <a:rPr lang="en-US"/>
+              <a:t>Third level</a:t>
+            </a:r>
+          </a:p>
+          <a:p>
+            <a:pPr lvl="3"/>
+            <a:r>
+              <a:rPr lang="en-US"/>
+              <a:t>Fourth level</a:t>
+            </a:r>
+          </a:p>
+          <a:p>
+            <a:pPr lvl="4"/>
+            <a:r>
+              <a:rPr lang="en-US"/>
+              <a:t>Fifth level</a:t>
+            </a:r>
+            <a:endParaRPr lang="en-US" dirty="0"/>
+          </a:p>
+        </p:txBody>
+      </p:sp>
+      <p:sp>
+        <p:nvSpPr>
+          <p:cNvPr id="6" name="Title 5"/>
+          <p:cNvSpPr>
+            <a:spLocks noGrp="1"/>
+          </p:cNvSpPr>
+          <p:nvPr>
+            <p:ph type="title"/>
+          </p:nvPr>
+        </p:nvSpPr>
+        <p:spPr/>
+        <p:txBody>
+          <a:bodyPr/>
+          <a:lstStyle/>
+          <a:p>
+            <a:r>
+              <a:rPr lang="en-US"/>
+              <a:t>Click to edit Master title style</a:t>
+            </a:r>
+          </a:p>
+        </p:txBody>
+      </p:sp>
+    </p:spTree>
+    <p:extLst>
+      <p:ext uri="{BB962C8B-B14F-4D97-AF65-F5344CB8AC3E}">
+        <p14:creationId xmlns:p14="http://schemas.microsoft.com/office/powerpoint/2010/main" val="1029911017"/>
+      </p:ext>
+    </p:extLst>
+  </p:cSld>
+  <p:clrMapOvr>
+    <a:masterClrMapping/>
+  </p:clrMapOvr>
+  <mc:AlternateContent xmlns:mc="http://schemas.openxmlformats.org/markup-compatibility/2006" xmlns:p14="http://schemas.microsoft.com/office/powerpoint/2010/main">
+    <mc:Choice Requires="p14">
+      <p:transition spd="med" p14:dur="700">
+        <p:fade/>
+      </p:transition>
+    </mc:Choice>
+    <mc:Fallback xmlns="">
+      <p:transition spd="med">
+        <p:fade/>
+      </p:transition>
+    </mc:Fallback>
+  </mc:AlternateContent>
 </p:sldLayout>
 </file>
 
@@ -867,7 +1913,7 @@
           <a:p>
             <a:fld id="{339DDAA3-5622-45C1-817C-CD8290C3D02D}" type="datetimeFigureOut">
               <a:rPr lang="en-US" smtClean="0"/>
-              <a:t>9/7/2018</a:t>
+              <a:t>10/3/2018</a:t>
             </a:fld>
             <a:endParaRPr lang="en-US"/>
           </a:p>
@@ -1142,7 +2188,7 @@
           <a:p>
             <a:fld id="{339DDAA3-5622-45C1-817C-CD8290C3D02D}" type="datetimeFigureOut">
               <a:rPr lang="en-US" smtClean="0"/>
-              <a:t>9/7/2018</a:t>
+              <a:t>10/3/2018</a:t>
             </a:fld>
             <a:endParaRPr lang="en-US"/>
           </a:p>
@@ -1407,7 +2453,7 @@
           <a:p>
             <a:fld id="{339DDAA3-5622-45C1-817C-CD8290C3D02D}" type="datetimeFigureOut">
               <a:rPr lang="en-US" smtClean="0"/>
-              <a:t>9/7/2018</a:t>
+              <a:t>10/3/2018</a:t>
             </a:fld>
             <a:endParaRPr lang="en-US"/>
           </a:p>
@@ -1819,7 +2865,7 @@
           <a:p>
             <a:fld id="{339DDAA3-5622-45C1-817C-CD8290C3D02D}" type="datetimeFigureOut">
               <a:rPr lang="en-US" smtClean="0"/>
-              <a:t>9/7/2018</a:t>
+              <a:t>10/3/2018</a:t>
             </a:fld>
             <a:endParaRPr lang="en-US"/>
           </a:p>
@@ -1960,7 +3006,7 @@
           <a:p>
             <a:fld id="{339DDAA3-5622-45C1-817C-CD8290C3D02D}" type="datetimeFigureOut">
               <a:rPr lang="en-US" smtClean="0"/>
-              <a:t>9/7/2018</a:t>
+              <a:t>10/3/2018</a:t>
             </a:fld>
             <a:endParaRPr lang="en-US"/>
           </a:p>
@@ -2073,7 +3119,7 @@
           <a:p>
             <a:fld id="{339DDAA3-5622-45C1-817C-CD8290C3D02D}" type="datetimeFigureOut">
               <a:rPr lang="en-US" smtClean="0"/>
-              <a:t>9/7/2018</a:t>
+              <a:t>10/3/2018</a:t>
             </a:fld>
             <a:endParaRPr lang="en-US"/>
           </a:p>
@@ -2384,7 +3430,7 @@
           <a:p>
             <a:fld id="{339DDAA3-5622-45C1-817C-CD8290C3D02D}" type="datetimeFigureOut">
               <a:rPr lang="en-US" smtClean="0"/>
-              <a:t>9/7/2018</a:t>
+              <a:t>10/3/2018</a:t>
             </a:fld>
             <a:endParaRPr lang="en-US"/>
           </a:p>
@@ -2672,7 +3718,7 @@
           <a:p>
             <a:fld id="{339DDAA3-5622-45C1-817C-CD8290C3D02D}" type="datetimeFigureOut">
               <a:rPr lang="en-US" smtClean="0"/>
-              <a:t>9/7/2018</a:t>
+              <a:t>10/3/2018</a:t>
             </a:fld>
             <a:endParaRPr lang="en-US"/>
           </a:p>
@@ -2913,7 +3959,7 @@
           <a:p>
             <a:fld id="{339DDAA3-5622-45C1-817C-CD8290C3D02D}" type="datetimeFigureOut">
               <a:rPr lang="en-US" smtClean="0"/>
-              <a:t>9/7/2018</a:t>
+              <a:t>10/3/2018</a:t>
             </a:fld>
             <a:endParaRPr lang="en-US"/>
           </a:p>
@@ -3029,6 +4075,7 @@
     <p:sldLayoutId id="2147483657" r:id="rId9"/>
     <p:sldLayoutId id="2147483658" r:id="rId10"/>
     <p:sldLayoutId id="2147483659" r:id="rId11"/>
+    <p:sldLayoutId id="2147483660" r:id="rId12"/>
   </p:sldLayoutIdLst>
   <p:txStyles>
     <p:titleStyle>
@@ -6176,6 +7223,3227 @@
 </p:sld>
 </file>
 
+<file path=ppt/slides/slide6.xml><?xml version="1.0" encoding="utf-8"?>
+<p:sld xmlns:a="http://schemas.openxmlformats.org/drawingml/2006/main" xmlns:r="http://schemas.openxmlformats.org/officeDocument/2006/relationships" xmlns:p="http://schemas.openxmlformats.org/presentationml/2006/main">
+  <p:cSld>
+    <p:spTree>
+      <p:nvGrpSpPr>
+        <p:cNvPr id="1" name=""/>
+        <p:cNvGrpSpPr/>
+        <p:nvPr/>
+      </p:nvGrpSpPr>
+      <p:grpSpPr>
+        <a:xfrm>
+          <a:off x="0" y="0"/>
+          <a:ext cx="0" cy="0"/>
+          <a:chOff x="0" y="0"/>
+          <a:chExt cx="0" cy="0"/>
+        </a:xfrm>
+      </p:grpSpPr>
+      <p:sp>
+        <p:nvSpPr>
+          <p:cNvPr id="2" name="Title 1"/>
+          <p:cNvSpPr>
+            <a:spLocks noGrp="1"/>
+          </p:cNvSpPr>
+          <p:nvPr>
+            <p:ph type="title"/>
+          </p:nvPr>
+        </p:nvSpPr>
+        <p:spPr/>
+        <p:txBody>
+          <a:bodyPr/>
+          <a:lstStyle/>
+          <a:p>
+            <a:r>
+              <a:rPr lang="en-US" sz="4800" dirty="0">
+                <a:solidFill>
+                  <a:schemeClr val="accent1"/>
+                </a:solidFill>
+                <a:latin typeface="Segoe UI Light" charset="0"/>
+                <a:ea typeface="ＭＳ Ｐゴシック" charset="0"/>
+                <a:cs typeface="Segoe UI Light" charset="0"/>
+              </a:rPr>
+              <a:t>Connected Field Service Architecture</a:t>
+            </a:r>
+          </a:p>
+        </p:txBody>
+      </p:sp>
+      <p:grpSp>
+        <p:nvGrpSpPr>
+          <p:cNvPr id="68" name="Group 67"/>
+          <p:cNvGrpSpPr/>
+          <p:nvPr/>
+        </p:nvGrpSpPr>
+        <p:grpSpPr>
+          <a:xfrm>
+            <a:off x="280220" y="1585968"/>
+            <a:ext cx="11644861" cy="4767117"/>
+            <a:chOff x="373379" y="1246603"/>
+            <a:chExt cx="11644861" cy="4767117"/>
+          </a:xfrm>
+        </p:grpSpPr>
+        <p:sp>
+          <p:nvSpPr>
+            <p:cNvPr id="4" name="Rounded Rectangle 3"/>
+            <p:cNvSpPr/>
+            <p:nvPr/>
+          </p:nvSpPr>
+          <p:spPr bwMode="auto">
+            <a:xfrm>
+              <a:off x="373380" y="1714500"/>
+              <a:ext cx="3467100" cy="2529840"/>
+            </a:xfrm>
+            <a:prstGeom prst="roundRect">
+              <a:avLst/>
+            </a:prstGeom>
+            <a:solidFill>
+              <a:schemeClr val="accent3">
+                <a:lumMod val="20000"/>
+                <a:lumOff val="80000"/>
+              </a:schemeClr>
+            </a:solidFill>
+            <a:ln w="28575">
+              <a:solidFill>
+                <a:schemeClr val="tx1">
+                  <a:lumMod val="60000"/>
+                  <a:lumOff val="40000"/>
+                </a:schemeClr>
+              </a:solidFill>
+              <a:headEnd type="none" w="med" len="med"/>
+              <a:tailEnd type="none" w="med" len="med"/>
+            </a:ln>
+            <a:effectLst/>
+          </p:spPr>
+          <p:style>
+            <a:lnRef idx="1">
+              <a:schemeClr val="accent2"/>
+            </a:lnRef>
+            <a:fillRef idx="3">
+              <a:schemeClr val="accent2"/>
+            </a:fillRef>
+            <a:effectRef idx="2">
+              <a:schemeClr val="accent2"/>
+            </a:effectRef>
+            <a:fontRef idx="minor">
+              <a:schemeClr val="lt1"/>
+            </a:fontRef>
+          </p:style>
+          <p:txBody>
+            <a:bodyPr rot="0" spcFirstLastPara="0" vertOverflow="overflow" horzOverflow="overflow" vert="horz" wrap="square" lIns="182880" tIns="146304" rIns="182880" bIns="146304" numCol="1" spcCol="0" rtlCol="0" fromWordArt="0" anchor="t" anchorCtr="0" forceAA="0" compatLnSpc="1">
+              <a:prstTxWarp prst="textNoShape">
+                <a:avLst/>
+              </a:prstTxWarp>
+              <a:noAutofit/>
+            </a:bodyPr>
+            <a:lstStyle/>
+            <a:p>
+              <a:pPr algn="ctr" defTabSz="932472" fontAlgn="base">
+                <a:lnSpc>
+                  <a:spcPct val="90000"/>
+                </a:lnSpc>
+                <a:spcBef>
+                  <a:spcPct val="0"/>
+                </a:spcBef>
+                <a:spcAft>
+                  <a:spcPct val="0"/>
+                </a:spcAft>
+              </a:pPr>
+              <a:endParaRPr lang="en-US" sz="2400" dirty="0" err="1">
+                <a:gradFill>
+                  <a:gsLst>
+                    <a:gs pos="0">
+                      <a:srgbClr val="FFFFFF"/>
+                    </a:gs>
+                    <a:gs pos="100000">
+                      <a:srgbClr val="FFFFFF"/>
+                    </a:gs>
+                  </a:gsLst>
+                  <a:lin ang="5400000" scaled="0"/>
+                </a:gradFill>
+                <a:ea typeface="Segoe UI" pitchFamily="34" charset="0"/>
+                <a:cs typeface="Segoe UI" pitchFamily="34" charset="0"/>
+              </a:endParaRPr>
+            </a:p>
+          </p:txBody>
+        </p:sp>
+        <p:sp>
+          <p:nvSpPr>
+            <p:cNvPr id="5" name="Rounded Rectangle 4"/>
+            <p:cNvSpPr/>
+            <p:nvPr/>
+          </p:nvSpPr>
+          <p:spPr bwMode="auto">
+            <a:xfrm>
+              <a:off x="5167860" y="1775460"/>
+              <a:ext cx="6850380" cy="2499360"/>
+            </a:xfrm>
+            <a:prstGeom prst="roundRect">
+              <a:avLst/>
+            </a:prstGeom>
+            <a:solidFill>
+              <a:srgbClr val="97C1FF"/>
+            </a:solidFill>
+            <a:ln w="28575">
+              <a:solidFill>
+                <a:schemeClr val="tx1">
+                  <a:lumMod val="60000"/>
+                  <a:lumOff val="40000"/>
+                </a:schemeClr>
+              </a:solidFill>
+              <a:headEnd type="none" w="med" len="med"/>
+              <a:tailEnd type="none" w="med" len="med"/>
+            </a:ln>
+            <a:effectLst/>
+          </p:spPr>
+          <p:style>
+            <a:lnRef idx="1">
+              <a:schemeClr val="accent2"/>
+            </a:lnRef>
+            <a:fillRef idx="3">
+              <a:schemeClr val="accent2"/>
+            </a:fillRef>
+            <a:effectRef idx="2">
+              <a:schemeClr val="accent2"/>
+            </a:effectRef>
+            <a:fontRef idx="minor">
+              <a:schemeClr val="lt1"/>
+            </a:fontRef>
+          </p:style>
+          <p:txBody>
+            <a:bodyPr rot="0" spcFirstLastPara="0" vertOverflow="overflow" horzOverflow="overflow" vert="horz" wrap="square" lIns="182880" tIns="146304" rIns="182880" bIns="146304" numCol="1" spcCol="0" rtlCol="0" fromWordArt="0" anchor="t" anchorCtr="0" forceAA="0" compatLnSpc="1">
+              <a:prstTxWarp prst="textNoShape">
+                <a:avLst/>
+              </a:prstTxWarp>
+              <a:noAutofit/>
+            </a:bodyPr>
+            <a:lstStyle/>
+            <a:p>
+              <a:pPr algn="ctr" defTabSz="932472" fontAlgn="base">
+                <a:lnSpc>
+                  <a:spcPct val="90000"/>
+                </a:lnSpc>
+                <a:spcBef>
+                  <a:spcPct val="0"/>
+                </a:spcBef>
+                <a:spcAft>
+                  <a:spcPct val="0"/>
+                </a:spcAft>
+              </a:pPr>
+              <a:endParaRPr lang="en-US" sz="2400" dirty="0" err="1">
+                <a:gradFill>
+                  <a:gsLst>
+                    <a:gs pos="0">
+                      <a:srgbClr val="FFFFFF"/>
+                    </a:gs>
+                    <a:gs pos="100000">
+                      <a:srgbClr val="FFFFFF"/>
+                    </a:gs>
+                  </a:gsLst>
+                  <a:lin ang="5400000" scaled="0"/>
+                </a:gradFill>
+                <a:ea typeface="Segoe UI" pitchFamily="34" charset="0"/>
+                <a:cs typeface="Segoe UI" pitchFamily="34" charset="0"/>
+              </a:endParaRPr>
+            </a:p>
+          </p:txBody>
+        </p:sp>
+        <p:sp>
+          <p:nvSpPr>
+            <p:cNvPr id="6" name="Rounded Rectangle 5"/>
+            <p:cNvSpPr/>
+            <p:nvPr/>
+          </p:nvSpPr>
+          <p:spPr bwMode="auto">
+            <a:xfrm>
+              <a:off x="556260" y="1905000"/>
+              <a:ext cx="3108960" cy="960120"/>
+            </a:xfrm>
+            <a:prstGeom prst="roundRect">
+              <a:avLst/>
+            </a:prstGeom>
+            <a:noFill/>
+            <a:ln w="28575">
+              <a:solidFill>
+                <a:schemeClr val="tx1">
+                  <a:lumMod val="60000"/>
+                  <a:lumOff val="40000"/>
+                </a:schemeClr>
+              </a:solidFill>
+              <a:headEnd type="none" w="med" len="med"/>
+              <a:tailEnd type="none" w="med" len="med"/>
+            </a:ln>
+            <a:effectLst/>
+          </p:spPr>
+          <p:style>
+            <a:lnRef idx="1">
+              <a:schemeClr val="accent2"/>
+            </a:lnRef>
+            <a:fillRef idx="3">
+              <a:schemeClr val="accent2"/>
+            </a:fillRef>
+            <a:effectRef idx="2">
+              <a:schemeClr val="accent2"/>
+            </a:effectRef>
+            <a:fontRef idx="minor">
+              <a:schemeClr val="lt1"/>
+            </a:fontRef>
+          </p:style>
+          <p:txBody>
+            <a:bodyPr rot="0" spcFirstLastPara="0" vertOverflow="overflow" horzOverflow="overflow" vert="horz" wrap="square" lIns="182880" tIns="146304" rIns="182880" bIns="146304" numCol="1" spcCol="0" rtlCol="0" fromWordArt="0" anchor="t" anchorCtr="0" forceAA="0" compatLnSpc="1">
+              <a:prstTxWarp prst="textNoShape">
+                <a:avLst/>
+              </a:prstTxWarp>
+              <a:noAutofit/>
+            </a:bodyPr>
+            <a:lstStyle/>
+            <a:p>
+              <a:pPr algn="ctr" defTabSz="932472" fontAlgn="base">
+                <a:lnSpc>
+                  <a:spcPct val="90000"/>
+                </a:lnSpc>
+                <a:spcBef>
+                  <a:spcPct val="0"/>
+                </a:spcBef>
+                <a:spcAft>
+                  <a:spcPct val="0"/>
+                </a:spcAft>
+              </a:pPr>
+              <a:endParaRPr lang="en-US" sz="1400" dirty="0">
+                <a:gradFill>
+                  <a:gsLst>
+                    <a:gs pos="0">
+                      <a:srgbClr val="FFFFFF"/>
+                    </a:gs>
+                    <a:gs pos="100000">
+                      <a:srgbClr val="FFFFFF"/>
+                    </a:gs>
+                  </a:gsLst>
+                  <a:lin ang="5400000" scaled="0"/>
+                </a:gradFill>
+                <a:ea typeface="Segoe UI" pitchFamily="34" charset="0"/>
+                <a:cs typeface="Segoe UI" pitchFamily="34" charset="0"/>
+              </a:endParaRPr>
+            </a:p>
+          </p:txBody>
+        </p:sp>
+        <p:sp>
+          <p:nvSpPr>
+            <p:cNvPr id="7" name="Rounded Rectangle 6"/>
+            <p:cNvSpPr/>
+            <p:nvPr/>
+          </p:nvSpPr>
+          <p:spPr bwMode="auto">
+            <a:xfrm>
+              <a:off x="691713" y="2255430"/>
+              <a:ext cx="1333500" cy="530188"/>
+            </a:xfrm>
+            <a:prstGeom prst="roundRect">
+              <a:avLst/>
+            </a:prstGeom>
+            <a:solidFill>
+              <a:schemeClr val="accent3">
+                <a:lumMod val="75000"/>
+              </a:schemeClr>
+            </a:solidFill>
+            <a:ln>
+              <a:noFill/>
+              <a:headEnd type="none" w="med" len="med"/>
+              <a:tailEnd type="none" w="med" len="med"/>
+            </a:ln>
+            <a:effectLst/>
+          </p:spPr>
+          <p:style>
+            <a:lnRef idx="1">
+              <a:schemeClr val="accent2"/>
+            </a:lnRef>
+            <a:fillRef idx="3">
+              <a:schemeClr val="accent2"/>
+            </a:fillRef>
+            <a:effectRef idx="2">
+              <a:schemeClr val="accent2"/>
+            </a:effectRef>
+            <a:fontRef idx="minor">
+              <a:schemeClr val="lt1"/>
+            </a:fontRef>
+          </p:style>
+          <p:txBody>
+            <a:bodyPr rot="0" spcFirstLastPara="0" vertOverflow="overflow" horzOverflow="overflow" vert="horz" wrap="square" lIns="182880" tIns="146304" rIns="182880" bIns="146304" numCol="1" spcCol="0" rtlCol="0" fromWordArt="0" anchor="ctr" anchorCtr="0" forceAA="0" compatLnSpc="1">
+              <a:prstTxWarp prst="textNoShape">
+                <a:avLst/>
+              </a:prstTxWarp>
+              <a:noAutofit/>
+            </a:bodyPr>
+            <a:lstStyle/>
+            <a:p>
+              <a:pPr algn="ctr" defTabSz="932472" fontAlgn="base">
+                <a:lnSpc>
+                  <a:spcPct val="90000"/>
+                </a:lnSpc>
+                <a:spcBef>
+                  <a:spcPct val="0"/>
+                </a:spcBef>
+                <a:spcAft>
+                  <a:spcPct val="0"/>
+                </a:spcAft>
+              </a:pPr>
+              <a:r>
+                <a:rPr lang="en-US" sz="2400" dirty="0" err="1">
+                  <a:gradFill>
+                    <a:gsLst>
+                      <a:gs pos="0">
+                        <a:srgbClr val="FFFFFF"/>
+                      </a:gs>
+                      <a:gs pos="100000">
+                        <a:srgbClr val="FFFFFF"/>
+                      </a:gs>
+                    </a:gsLst>
+                    <a:lin ang="5400000" scaled="0"/>
+                  </a:gradFill>
+                  <a:ea typeface="Segoe UI" pitchFamily="34" charset="0"/>
+                  <a:cs typeface="Segoe UI" pitchFamily="34" charset="0"/>
+                </a:rPr>
+                <a:t>IoT</a:t>
+              </a:r>
+              <a:endParaRPr lang="en-US" sz="2400" dirty="0">
+                <a:gradFill>
+                  <a:gsLst>
+                    <a:gs pos="0">
+                      <a:srgbClr val="FFFFFF"/>
+                    </a:gs>
+                    <a:gs pos="100000">
+                      <a:srgbClr val="FFFFFF"/>
+                    </a:gs>
+                  </a:gsLst>
+                  <a:lin ang="5400000" scaled="0"/>
+                </a:gradFill>
+                <a:ea typeface="Segoe UI" pitchFamily="34" charset="0"/>
+                <a:cs typeface="Segoe UI" pitchFamily="34" charset="0"/>
+              </a:endParaRPr>
+            </a:p>
+          </p:txBody>
+        </p:sp>
+        <p:sp>
+          <p:nvSpPr>
+            <p:cNvPr id="8" name="Rounded Rectangle 7"/>
+            <p:cNvSpPr/>
+            <p:nvPr/>
+          </p:nvSpPr>
+          <p:spPr bwMode="auto">
+            <a:xfrm>
+              <a:off x="2232485" y="2255520"/>
+              <a:ext cx="1333500" cy="530188"/>
+            </a:xfrm>
+            <a:prstGeom prst="roundRect">
+              <a:avLst/>
+            </a:prstGeom>
+            <a:solidFill>
+              <a:schemeClr val="accent3">
+                <a:lumMod val="75000"/>
+              </a:schemeClr>
+            </a:solidFill>
+            <a:ln>
+              <a:noFill/>
+              <a:headEnd type="none" w="med" len="med"/>
+              <a:tailEnd type="none" w="med" len="med"/>
+            </a:ln>
+            <a:effectLst/>
+          </p:spPr>
+          <p:style>
+            <a:lnRef idx="1">
+              <a:schemeClr val="accent2"/>
+            </a:lnRef>
+            <a:fillRef idx="3">
+              <a:schemeClr val="accent2"/>
+            </a:fillRef>
+            <a:effectRef idx="2">
+              <a:schemeClr val="accent2"/>
+            </a:effectRef>
+            <a:fontRef idx="minor">
+              <a:schemeClr val="lt1"/>
+            </a:fontRef>
+          </p:style>
+          <p:txBody>
+            <a:bodyPr rot="0" spcFirstLastPara="0" vertOverflow="overflow" horzOverflow="overflow" vert="horz" wrap="square" lIns="182880" tIns="146304" rIns="182880" bIns="146304" numCol="1" spcCol="0" rtlCol="0" fromWordArt="0" anchor="ctr" anchorCtr="0" forceAA="0" compatLnSpc="1">
+              <a:prstTxWarp prst="textNoShape">
+                <a:avLst/>
+              </a:prstTxWarp>
+              <a:noAutofit/>
+            </a:bodyPr>
+            <a:lstStyle/>
+            <a:p>
+              <a:pPr algn="ctr" defTabSz="932472" fontAlgn="base">
+                <a:lnSpc>
+                  <a:spcPct val="90000"/>
+                </a:lnSpc>
+                <a:spcBef>
+                  <a:spcPct val="0"/>
+                </a:spcBef>
+                <a:spcAft>
+                  <a:spcPct val="0"/>
+                </a:spcAft>
+              </a:pPr>
+              <a:r>
+                <a:rPr lang="en-US" sz="1600" dirty="0">
+                  <a:gradFill>
+                    <a:gsLst>
+                      <a:gs pos="0">
+                        <a:srgbClr val="FFFFFF"/>
+                      </a:gs>
+                      <a:gs pos="100000">
+                        <a:srgbClr val="FFFFFF"/>
+                      </a:gs>
+                    </a:gsLst>
+                    <a:lin ang="5400000" scaled="0"/>
+                  </a:gradFill>
+                  <a:ea typeface="Segoe UI" pitchFamily="34" charset="0"/>
+                  <a:cs typeface="Segoe UI" pitchFamily="34" charset="0"/>
+                </a:rPr>
+                <a:t>FS Adapter</a:t>
+              </a:r>
+            </a:p>
+          </p:txBody>
+        </p:sp>
+        <p:sp>
+          <p:nvSpPr>
+            <p:cNvPr id="9" name="Rounded Rectangle 8"/>
+            <p:cNvSpPr/>
+            <p:nvPr/>
+          </p:nvSpPr>
+          <p:spPr bwMode="auto">
+            <a:xfrm>
+              <a:off x="556260" y="2979420"/>
+              <a:ext cx="3108960" cy="960120"/>
+            </a:xfrm>
+            <a:prstGeom prst="roundRect">
+              <a:avLst/>
+            </a:prstGeom>
+            <a:solidFill>
+              <a:schemeClr val="accent3">
+                <a:lumMod val="75000"/>
+              </a:schemeClr>
+            </a:solidFill>
+            <a:ln w="28575">
+              <a:solidFill>
+                <a:schemeClr val="tx1">
+                  <a:lumMod val="60000"/>
+                  <a:lumOff val="40000"/>
+                </a:schemeClr>
+              </a:solidFill>
+              <a:headEnd type="none" w="med" len="med"/>
+              <a:tailEnd type="none" w="med" len="med"/>
+            </a:ln>
+            <a:effectLst/>
+          </p:spPr>
+          <p:style>
+            <a:lnRef idx="1">
+              <a:schemeClr val="accent2"/>
+            </a:lnRef>
+            <a:fillRef idx="3">
+              <a:schemeClr val="accent2"/>
+            </a:fillRef>
+            <a:effectRef idx="2">
+              <a:schemeClr val="accent2"/>
+            </a:effectRef>
+            <a:fontRef idx="minor">
+              <a:schemeClr val="lt1"/>
+            </a:fontRef>
+          </p:style>
+          <p:txBody>
+            <a:bodyPr rot="0" spcFirstLastPara="0" vertOverflow="overflow" horzOverflow="overflow" vert="horz" wrap="square" lIns="182880" tIns="146304" rIns="182880" bIns="146304" numCol="1" spcCol="0" rtlCol="0" fromWordArt="0" anchor="t" anchorCtr="0" forceAA="0" compatLnSpc="1">
+              <a:prstTxWarp prst="textNoShape">
+                <a:avLst/>
+              </a:prstTxWarp>
+              <a:noAutofit/>
+            </a:bodyPr>
+            <a:lstStyle/>
+            <a:p>
+              <a:pPr algn="ctr" defTabSz="932472" fontAlgn="base">
+                <a:lnSpc>
+                  <a:spcPct val="90000"/>
+                </a:lnSpc>
+                <a:spcBef>
+                  <a:spcPct val="0"/>
+                </a:spcBef>
+                <a:spcAft>
+                  <a:spcPct val="0"/>
+                </a:spcAft>
+              </a:pPr>
+              <a:endParaRPr lang="en-US" sz="2400" dirty="0" err="1">
+                <a:gradFill>
+                  <a:gsLst>
+                    <a:gs pos="0">
+                      <a:srgbClr val="FFFFFF"/>
+                    </a:gs>
+                    <a:gs pos="100000">
+                      <a:srgbClr val="FFFFFF"/>
+                    </a:gs>
+                  </a:gsLst>
+                  <a:lin ang="5400000" scaled="0"/>
+                </a:gradFill>
+                <a:ea typeface="Segoe UI" pitchFamily="34" charset="0"/>
+                <a:cs typeface="Segoe UI" pitchFamily="34" charset="0"/>
+              </a:endParaRPr>
+            </a:p>
+          </p:txBody>
+        </p:sp>
+        <p:sp>
+          <p:nvSpPr>
+            <p:cNvPr id="10" name="TextBox 9"/>
+            <p:cNvSpPr txBox="1"/>
+            <p:nvPr/>
+          </p:nvSpPr>
+          <p:spPr>
+            <a:xfrm>
+              <a:off x="556260" y="1880365"/>
+              <a:ext cx="3108960" cy="489365"/>
+            </a:xfrm>
+            <a:prstGeom prst="rect">
+              <a:avLst/>
+            </a:prstGeom>
+            <a:noFill/>
+          </p:spPr>
+          <p:txBody>
+            <a:bodyPr wrap="square" lIns="182880" tIns="146304" rIns="182880" bIns="146304" rtlCol="0">
+              <a:spAutoFit/>
+            </a:bodyPr>
+            <a:lstStyle/>
+            <a:p>
+              <a:pPr algn="ctr">
+                <a:lnSpc>
+                  <a:spcPct val="90000"/>
+                </a:lnSpc>
+                <a:spcAft>
+                  <a:spcPts val="600"/>
+                </a:spcAft>
+              </a:pPr>
+              <a:r>
+                <a:rPr lang="en-US" sz="1400" b="1" dirty="0">
+                  <a:gradFill>
+                    <a:gsLst>
+                      <a:gs pos="2917">
+                        <a:schemeClr val="tx1"/>
+                      </a:gs>
+                      <a:gs pos="30000">
+                        <a:schemeClr val="tx1"/>
+                      </a:gs>
+                    </a:gsLst>
+                    <a:lin ang="5400000" scaled="0"/>
+                  </a:gradFill>
+                </a:rPr>
+                <a:t>Connected Field Service</a:t>
+              </a:r>
+            </a:p>
+          </p:txBody>
+        </p:sp>
+        <p:sp>
+          <p:nvSpPr>
+            <p:cNvPr id="11" name="TextBox 10"/>
+            <p:cNvSpPr txBox="1"/>
+            <p:nvPr/>
+          </p:nvSpPr>
+          <p:spPr>
+            <a:xfrm>
+              <a:off x="556260" y="3383280"/>
+              <a:ext cx="3108960" cy="517065"/>
+            </a:xfrm>
+            <a:prstGeom prst="rect">
+              <a:avLst/>
+            </a:prstGeom>
+            <a:noFill/>
+          </p:spPr>
+          <p:txBody>
+            <a:bodyPr wrap="square" lIns="182880" tIns="146304" rIns="182880" bIns="146304" rtlCol="0">
+              <a:spAutoFit/>
+            </a:bodyPr>
+            <a:lstStyle/>
+            <a:p>
+              <a:pPr algn="ctr">
+                <a:lnSpc>
+                  <a:spcPct val="90000"/>
+                </a:lnSpc>
+                <a:spcAft>
+                  <a:spcPts val="600"/>
+                </a:spcAft>
+              </a:pPr>
+              <a:r>
+                <a:rPr lang="en-US" sz="1600" b="1" dirty="0">
+                  <a:solidFill>
+                    <a:schemeClr val="bg1"/>
+                  </a:solidFill>
+                </a:rPr>
+                <a:t>Field Service</a:t>
+              </a:r>
+            </a:p>
+          </p:txBody>
+        </p:sp>
+        <p:sp>
+          <p:nvSpPr>
+            <p:cNvPr id="12" name="Rounded Rectangle 11"/>
+            <p:cNvSpPr/>
+            <p:nvPr/>
+          </p:nvSpPr>
+          <p:spPr bwMode="auto">
+            <a:xfrm>
+              <a:off x="960120" y="3078480"/>
+              <a:ext cx="2293620" cy="266700"/>
+            </a:xfrm>
+            <a:prstGeom prst="roundRect">
+              <a:avLst/>
+            </a:prstGeom>
+            <a:solidFill>
+              <a:srgbClr val="8E0000"/>
+            </a:solidFill>
+            <a:ln>
+              <a:solidFill>
+                <a:schemeClr val="tx1">
+                  <a:lumMod val="60000"/>
+                  <a:lumOff val="40000"/>
+                </a:schemeClr>
+              </a:solidFill>
+              <a:headEnd type="none" w="med" len="med"/>
+              <a:tailEnd type="none" w="med" len="med"/>
+            </a:ln>
+            <a:effectLst/>
+          </p:spPr>
+          <p:style>
+            <a:lnRef idx="1">
+              <a:schemeClr val="accent2"/>
+            </a:lnRef>
+            <a:fillRef idx="3">
+              <a:schemeClr val="accent2"/>
+            </a:fillRef>
+            <a:effectRef idx="2">
+              <a:schemeClr val="accent2"/>
+            </a:effectRef>
+            <a:fontRef idx="minor">
+              <a:schemeClr val="lt1"/>
+            </a:fontRef>
+          </p:style>
+          <p:txBody>
+            <a:bodyPr rot="0" spcFirstLastPara="0" vertOverflow="overflow" horzOverflow="overflow" vert="horz" wrap="square" lIns="182880" tIns="146304" rIns="182880" bIns="146304" numCol="1" spcCol="0" rtlCol="0" fromWordArt="0" anchor="ctr" anchorCtr="0" forceAA="0" compatLnSpc="1">
+              <a:prstTxWarp prst="textNoShape">
+                <a:avLst/>
+              </a:prstTxWarp>
+              <a:noAutofit/>
+            </a:bodyPr>
+            <a:lstStyle/>
+            <a:p>
+              <a:pPr algn="ctr" defTabSz="932472" fontAlgn="base">
+                <a:lnSpc>
+                  <a:spcPct val="90000"/>
+                </a:lnSpc>
+                <a:spcBef>
+                  <a:spcPct val="0"/>
+                </a:spcBef>
+                <a:spcAft>
+                  <a:spcPct val="0"/>
+                </a:spcAft>
+              </a:pPr>
+              <a:r>
+                <a:rPr lang="en-US" sz="1200" dirty="0">
+                  <a:gradFill>
+                    <a:gsLst>
+                      <a:gs pos="0">
+                        <a:srgbClr val="FFFFFF"/>
+                      </a:gs>
+                      <a:gs pos="100000">
+                        <a:srgbClr val="FFFFFF"/>
+                      </a:gs>
+                    </a:gsLst>
+                    <a:lin ang="5400000" scaled="0"/>
+                  </a:gradFill>
+                  <a:ea typeface="Segoe UI" pitchFamily="34" charset="0"/>
+                  <a:cs typeface="Segoe UI" pitchFamily="34" charset="0"/>
+                </a:rPr>
+                <a:t>Service Alert Workflow</a:t>
+              </a:r>
+            </a:p>
+          </p:txBody>
+        </p:sp>
+        <p:sp>
+          <p:nvSpPr>
+            <p:cNvPr id="13" name="Rounded Rectangle 12"/>
+            <p:cNvSpPr/>
+            <p:nvPr/>
+          </p:nvSpPr>
+          <p:spPr bwMode="auto">
+            <a:xfrm>
+              <a:off x="5407302" y="2139954"/>
+              <a:ext cx="1508760" cy="838290"/>
+            </a:xfrm>
+            <a:prstGeom prst="roundRect">
+              <a:avLst/>
+            </a:prstGeom>
+            <a:solidFill>
+              <a:srgbClr val="002060"/>
+            </a:solidFill>
+            <a:ln w="28575">
+              <a:solidFill>
+                <a:schemeClr val="tx1">
+                  <a:lumMod val="60000"/>
+                  <a:lumOff val="40000"/>
+                </a:schemeClr>
+              </a:solidFill>
+              <a:headEnd type="none" w="med" len="med"/>
+              <a:tailEnd type="none" w="med" len="med"/>
+            </a:ln>
+            <a:effectLst/>
+          </p:spPr>
+          <p:style>
+            <a:lnRef idx="1">
+              <a:schemeClr val="accent2"/>
+            </a:lnRef>
+            <a:fillRef idx="3">
+              <a:schemeClr val="accent2"/>
+            </a:fillRef>
+            <a:effectRef idx="2">
+              <a:schemeClr val="accent2"/>
+            </a:effectRef>
+            <a:fontRef idx="minor">
+              <a:schemeClr val="lt1"/>
+            </a:fontRef>
+          </p:style>
+          <p:txBody>
+            <a:bodyPr rot="0" spcFirstLastPara="0" vertOverflow="overflow" horzOverflow="overflow" vert="horz" wrap="square" lIns="182880" tIns="146304" rIns="182880" bIns="146304" numCol="1" spcCol="0" rtlCol="0" fromWordArt="0" anchor="ctr" anchorCtr="0" forceAA="0" compatLnSpc="1">
+              <a:prstTxWarp prst="textNoShape">
+                <a:avLst/>
+              </a:prstTxWarp>
+              <a:noAutofit/>
+            </a:bodyPr>
+            <a:lstStyle/>
+            <a:p>
+              <a:pPr algn="ctr" defTabSz="932472" fontAlgn="base">
+                <a:lnSpc>
+                  <a:spcPct val="90000"/>
+                </a:lnSpc>
+                <a:spcBef>
+                  <a:spcPct val="0"/>
+                </a:spcBef>
+                <a:spcAft>
+                  <a:spcPct val="0"/>
+                </a:spcAft>
+              </a:pPr>
+              <a:r>
+                <a:rPr lang="en-US" sz="1600" dirty="0">
+                  <a:gradFill>
+                    <a:gsLst>
+                      <a:gs pos="0">
+                        <a:srgbClr val="FFFFFF"/>
+                      </a:gs>
+                      <a:gs pos="100000">
+                        <a:srgbClr val="FFFFFF"/>
+                      </a:gs>
+                    </a:gsLst>
+                    <a:lin ang="5400000" scaled="0"/>
+                  </a:gradFill>
+                  <a:ea typeface="Segoe UI" pitchFamily="34" charset="0"/>
+                  <a:cs typeface="Segoe UI" pitchFamily="34" charset="0"/>
+                </a:rPr>
+                <a:t>Azure</a:t>
+              </a:r>
+              <a:br>
+                <a:rPr lang="en-US" sz="1600" dirty="0">
+                  <a:gradFill>
+                    <a:gsLst>
+                      <a:gs pos="0">
+                        <a:srgbClr val="FFFFFF"/>
+                      </a:gs>
+                      <a:gs pos="100000">
+                        <a:srgbClr val="FFFFFF"/>
+                      </a:gs>
+                    </a:gsLst>
+                    <a:lin ang="5400000" scaled="0"/>
+                  </a:gradFill>
+                  <a:ea typeface="Segoe UI" pitchFamily="34" charset="0"/>
+                  <a:cs typeface="Segoe UI" pitchFamily="34" charset="0"/>
+                </a:rPr>
+              </a:br>
+              <a:r>
+                <a:rPr lang="en-US" sz="1600" dirty="0">
+                  <a:gradFill>
+                    <a:gsLst>
+                      <a:gs pos="0">
+                        <a:srgbClr val="FFFFFF"/>
+                      </a:gs>
+                      <a:gs pos="100000">
+                        <a:srgbClr val="FFFFFF"/>
+                      </a:gs>
+                    </a:gsLst>
+                    <a:lin ang="5400000" scaled="0"/>
+                  </a:gradFill>
+                  <a:ea typeface="Segoe UI" pitchFamily="34" charset="0"/>
+                  <a:cs typeface="Segoe UI" pitchFamily="34" charset="0"/>
+                </a:rPr>
+                <a:t>Service Bus</a:t>
+              </a:r>
+            </a:p>
+          </p:txBody>
+        </p:sp>
+        <p:sp>
+          <p:nvSpPr>
+            <p:cNvPr id="14" name="Rounded Rectangle 13"/>
+            <p:cNvSpPr/>
+            <p:nvPr/>
+          </p:nvSpPr>
+          <p:spPr bwMode="auto">
+            <a:xfrm>
+              <a:off x="5407302" y="3092544"/>
+              <a:ext cx="1508760" cy="838290"/>
+            </a:xfrm>
+            <a:prstGeom prst="roundRect">
+              <a:avLst/>
+            </a:prstGeom>
+            <a:solidFill>
+              <a:srgbClr val="8E0000"/>
+            </a:solidFill>
+            <a:ln w="28575">
+              <a:solidFill>
+                <a:schemeClr val="tx1">
+                  <a:lumMod val="60000"/>
+                  <a:lumOff val="40000"/>
+                </a:schemeClr>
+              </a:solidFill>
+              <a:headEnd type="none" w="med" len="med"/>
+              <a:tailEnd type="none" w="med" len="med"/>
+            </a:ln>
+            <a:effectLst/>
+          </p:spPr>
+          <p:style>
+            <a:lnRef idx="1">
+              <a:schemeClr val="accent2"/>
+            </a:lnRef>
+            <a:fillRef idx="3">
+              <a:schemeClr val="accent2"/>
+            </a:fillRef>
+            <a:effectRef idx="2">
+              <a:schemeClr val="accent2"/>
+            </a:effectRef>
+            <a:fontRef idx="minor">
+              <a:schemeClr val="lt1"/>
+            </a:fontRef>
+          </p:style>
+          <p:txBody>
+            <a:bodyPr rot="0" spcFirstLastPara="0" vertOverflow="overflow" horzOverflow="overflow" vert="horz" wrap="square" lIns="182880" tIns="146304" rIns="182880" bIns="146304" numCol="1" spcCol="0" rtlCol="0" fromWordArt="0" anchor="ctr" anchorCtr="0" forceAA="0" compatLnSpc="1">
+              <a:prstTxWarp prst="textNoShape">
+                <a:avLst/>
+              </a:prstTxWarp>
+              <a:noAutofit/>
+            </a:bodyPr>
+            <a:lstStyle/>
+            <a:p>
+              <a:pPr algn="ctr" defTabSz="932472" fontAlgn="base">
+                <a:lnSpc>
+                  <a:spcPct val="90000"/>
+                </a:lnSpc>
+                <a:spcBef>
+                  <a:spcPct val="0"/>
+                </a:spcBef>
+                <a:spcAft>
+                  <a:spcPct val="0"/>
+                </a:spcAft>
+              </a:pPr>
+              <a:r>
+                <a:rPr lang="en-US" sz="1600" dirty="0">
+                  <a:gradFill>
+                    <a:gsLst>
+                      <a:gs pos="0">
+                        <a:srgbClr val="FFFFFF"/>
+                      </a:gs>
+                      <a:gs pos="100000">
+                        <a:srgbClr val="FFFFFF"/>
+                      </a:gs>
+                    </a:gsLst>
+                    <a:lin ang="5400000" scaled="0"/>
+                  </a:gradFill>
+                  <a:ea typeface="Segoe UI" pitchFamily="34" charset="0"/>
+                  <a:cs typeface="Segoe UI" pitchFamily="34" charset="0"/>
+                </a:rPr>
+                <a:t>Thermostat</a:t>
+              </a:r>
+              <a:br>
+                <a:rPr lang="en-US" sz="1600" dirty="0">
+                  <a:gradFill>
+                    <a:gsLst>
+                      <a:gs pos="0">
+                        <a:srgbClr val="FFFFFF"/>
+                      </a:gs>
+                      <a:gs pos="100000">
+                        <a:srgbClr val="FFFFFF"/>
+                      </a:gs>
+                    </a:gsLst>
+                    <a:lin ang="5400000" scaled="0"/>
+                  </a:gradFill>
+                  <a:ea typeface="Segoe UI" pitchFamily="34" charset="0"/>
+                  <a:cs typeface="Segoe UI" pitchFamily="34" charset="0"/>
+                </a:rPr>
+              </a:br>
+              <a:r>
+                <a:rPr lang="en-US" sz="1600" dirty="0">
+                  <a:gradFill>
+                    <a:gsLst>
+                      <a:gs pos="0">
+                        <a:srgbClr val="FFFFFF"/>
+                      </a:gs>
+                      <a:gs pos="100000">
+                        <a:srgbClr val="FFFFFF"/>
+                      </a:gs>
+                    </a:gsLst>
+                    <a:lin ang="5400000" scaled="0"/>
+                  </a:gradFill>
+                  <a:ea typeface="Segoe UI" pitchFamily="34" charset="0"/>
+                  <a:cs typeface="Segoe UI" pitchFamily="34" charset="0"/>
+                </a:rPr>
+                <a:t>Simulator</a:t>
+              </a:r>
+            </a:p>
+          </p:txBody>
+        </p:sp>
+        <p:sp>
+          <p:nvSpPr>
+            <p:cNvPr id="15" name="Rounded Rectangle 14"/>
+            <p:cNvSpPr/>
+            <p:nvPr/>
+          </p:nvSpPr>
+          <p:spPr bwMode="auto">
+            <a:xfrm>
+              <a:off x="7018930" y="2148660"/>
+              <a:ext cx="1508760" cy="1790880"/>
+            </a:xfrm>
+            <a:prstGeom prst="roundRect">
+              <a:avLst/>
+            </a:prstGeom>
+            <a:solidFill>
+              <a:srgbClr val="002060"/>
+            </a:solidFill>
+            <a:ln w="28575">
+              <a:solidFill>
+                <a:schemeClr val="tx1">
+                  <a:lumMod val="60000"/>
+                  <a:lumOff val="40000"/>
+                </a:schemeClr>
+              </a:solidFill>
+              <a:headEnd type="none" w="med" len="med"/>
+              <a:tailEnd type="none" w="med" len="med"/>
+            </a:ln>
+            <a:effectLst/>
+          </p:spPr>
+          <p:style>
+            <a:lnRef idx="1">
+              <a:schemeClr val="accent2"/>
+            </a:lnRef>
+            <a:fillRef idx="3">
+              <a:schemeClr val="accent2"/>
+            </a:fillRef>
+            <a:effectRef idx="2">
+              <a:schemeClr val="accent2"/>
+            </a:effectRef>
+            <a:fontRef idx="minor">
+              <a:schemeClr val="lt1"/>
+            </a:fontRef>
+          </p:style>
+          <p:txBody>
+            <a:bodyPr rot="0" spcFirstLastPara="0" vertOverflow="overflow" horzOverflow="overflow" vert="horz" wrap="square" lIns="182880" tIns="146304" rIns="182880" bIns="146304" numCol="1" spcCol="0" rtlCol="0" fromWordArt="0" anchor="t" anchorCtr="0" forceAA="0" compatLnSpc="1">
+              <a:prstTxWarp prst="textNoShape">
+                <a:avLst/>
+              </a:prstTxWarp>
+              <a:noAutofit/>
+            </a:bodyPr>
+            <a:lstStyle/>
+            <a:p>
+              <a:pPr algn="ctr" defTabSz="932472" fontAlgn="base">
+                <a:lnSpc>
+                  <a:spcPct val="90000"/>
+                </a:lnSpc>
+                <a:spcBef>
+                  <a:spcPct val="0"/>
+                </a:spcBef>
+                <a:spcAft>
+                  <a:spcPct val="0"/>
+                </a:spcAft>
+              </a:pPr>
+              <a:endParaRPr lang="en-US" sz="1600" dirty="0">
+                <a:gradFill>
+                  <a:gsLst>
+                    <a:gs pos="0">
+                      <a:srgbClr val="FFFFFF"/>
+                    </a:gs>
+                    <a:gs pos="100000">
+                      <a:srgbClr val="FFFFFF"/>
+                    </a:gs>
+                  </a:gsLst>
+                  <a:lin ang="5400000" scaled="0"/>
+                </a:gradFill>
+                <a:ea typeface="Segoe UI" pitchFamily="34" charset="0"/>
+                <a:cs typeface="Segoe UI" pitchFamily="34" charset="0"/>
+              </a:endParaRPr>
+            </a:p>
+          </p:txBody>
+        </p:sp>
+        <p:sp>
+          <p:nvSpPr>
+            <p:cNvPr id="16" name="TextBox 15"/>
+            <p:cNvSpPr txBox="1"/>
+            <p:nvPr/>
+          </p:nvSpPr>
+          <p:spPr>
+            <a:xfrm>
+              <a:off x="7030362" y="2098096"/>
+              <a:ext cx="1508760" cy="517065"/>
+            </a:xfrm>
+            <a:prstGeom prst="rect">
+              <a:avLst/>
+            </a:prstGeom>
+            <a:noFill/>
+          </p:spPr>
+          <p:txBody>
+            <a:bodyPr wrap="square" lIns="182880" tIns="146304" rIns="182880" bIns="146304" rtlCol="0">
+              <a:spAutoFit/>
+            </a:bodyPr>
+            <a:lstStyle/>
+            <a:p>
+              <a:pPr algn="ctr">
+                <a:lnSpc>
+                  <a:spcPct val="90000"/>
+                </a:lnSpc>
+                <a:spcAft>
+                  <a:spcPts val="600"/>
+                </a:spcAft>
+              </a:pPr>
+              <a:r>
+                <a:rPr lang="en-US" sz="1600" b="1" dirty="0">
+                  <a:solidFill>
+                    <a:schemeClr val="bg1"/>
+                  </a:solidFill>
+                </a:rPr>
+                <a:t>Logic Apps</a:t>
+              </a:r>
+            </a:p>
+          </p:txBody>
+        </p:sp>
+        <p:sp>
+          <p:nvSpPr>
+            <p:cNvPr id="17" name="Rounded Rectangle 16"/>
+            <p:cNvSpPr/>
+            <p:nvPr/>
+          </p:nvSpPr>
+          <p:spPr bwMode="auto">
+            <a:xfrm>
+              <a:off x="7117992" y="2559099"/>
+              <a:ext cx="1333500" cy="363138"/>
+            </a:xfrm>
+            <a:prstGeom prst="roundRect">
+              <a:avLst/>
+            </a:prstGeom>
+            <a:solidFill>
+              <a:srgbClr val="8E0000"/>
+            </a:solidFill>
+            <a:ln w="19050">
+              <a:solidFill>
+                <a:schemeClr val="tx1">
+                  <a:lumMod val="60000"/>
+                  <a:lumOff val="40000"/>
+                </a:schemeClr>
+              </a:solidFill>
+              <a:headEnd type="none" w="med" len="med"/>
+              <a:tailEnd type="none" w="med" len="med"/>
+            </a:ln>
+            <a:effectLst/>
+          </p:spPr>
+          <p:style>
+            <a:lnRef idx="1">
+              <a:schemeClr val="accent2"/>
+            </a:lnRef>
+            <a:fillRef idx="3">
+              <a:schemeClr val="accent2"/>
+            </a:fillRef>
+            <a:effectRef idx="2">
+              <a:schemeClr val="accent2"/>
+            </a:effectRef>
+            <a:fontRef idx="minor">
+              <a:schemeClr val="lt1"/>
+            </a:fontRef>
+          </p:style>
+          <p:txBody>
+            <a:bodyPr rot="0" spcFirstLastPara="0" vertOverflow="overflow" horzOverflow="overflow" vert="horz" wrap="square" lIns="182880" tIns="146304" rIns="182880" bIns="146304" numCol="1" spcCol="0" rtlCol="0" fromWordArt="0" anchor="ctr" anchorCtr="0" forceAA="0" compatLnSpc="1">
+              <a:prstTxWarp prst="textNoShape">
+                <a:avLst/>
+              </a:prstTxWarp>
+              <a:noAutofit/>
+            </a:bodyPr>
+            <a:lstStyle/>
+            <a:p>
+              <a:pPr algn="ctr" defTabSz="932472" fontAlgn="base">
+                <a:lnSpc>
+                  <a:spcPct val="90000"/>
+                </a:lnSpc>
+                <a:spcBef>
+                  <a:spcPct val="0"/>
+                </a:spcBef>
+                <a:spcAft>
+                  <a:spcPct val="0"/>
+                </a:spcAft>
+              </a:pPr>
+              <a:r>
+                <a:rPr lang="en-US" sz="1600" dirty="0">
+                  <a:gradFill>
+                    <a:gsLst>
+                      <a:gs pos="0">
+                        <a:srgbClr val="FFFFFF"/>
+                      </a:gs>
+                      <a:gs pos="100000">
+                        <a:srgbClr val="FFFFFF"/>
+                      </a:gs>
+                    </a:gsLst>
+                    <a:lin ang="5400000" scaled="0"/>
+                  </a:gradFill>
+                  <a:ea typeface="Segoe UI" pitchFamily="34" charset="0"/>
+                  <a:cs typeface="Segoe UI" pitchFamily="34" charset="0"/>
+                </a:rPr>
+                <a:t>. . .</a:t>
+              </a:r>
+            </a:p>
+          </p:txBody>
+        </p:sp>
+        <p:sp>
+          <p:nvSpPr>
+            <p:cNvPr id="18" name="Rounded Rectangle 17"/>
+            <p:cNvSpPr/>
+            <p:nvPr/>
+          </p:nvSpPr>
+          <p:spPr bwMode="auto">
+            <a:xfrm>
+              <a:off x="7117992" y="2992770"/>
+              <a:ext cx="1333500" cy="363138"/>
+            </a:xfrm>
+            <a:prstGeom prst="roundRect">
+              <a:avLst/>
+            </a:prstGeom>
+            <a:solidFill>
+              <a:srgbClr val="8E0000"/>
+            </a:solidFill>
+            <a:ln w="19050">
+              <a:solidFill>
+                <a:schemeClr val="tx1">
+                  <a:lumMod val="60000"/>
+                  <a:lumOff val="40000"/>
+                </a:schemeClr>
+              </a:solidFill>
+              <a:headEnd type="none" w="med" len="med"/>
+              <a:tailEnd type="none" w="med" len="med"/>
+            </a:ln>
+            <a:effectLst/>
+          </p:spPr>
+          <p:style>
+            <a:lnRef idx="1">
+              <a:schemeClr val="accent2"/>
+            </a:lnRef>
+            <a:fillRef idx="3">
+              <a:schemeClr val="accent2"/>
+            </a:fillRef>
+            <a:effectRef idx="2">
+              <a:schemeClr val="accent2"/>
+            </a:effectRef>
+            <a:fontRef idx="minor">
+              <a:schemeClr val="lt1"/>
+            </a:fontRef>
+          </p:style>
+          <p:txBody>
+            <a:bodyPr rot="0" spcFirstLastPara="0" vertOverflow="overflow" horzOverflow="overflow" vert="horz" wrap="square" lIns="182880" tIns="146304" rIns="182880" bIns="146304" numCol="1" spcCol="0" rtlCol="0" fromWordArt="0" anchor="ctr" anchorCtr="0" forceAA="0" compatLnSpc="1">
+              <a:prstTxWarp prst="textNoShape">
+                <a:avLst/>
+              </a:prstTxWarp>
+              <a:noAutofit/>
+            </a:bodyPr>
+            <a:lstStyle/>
+            <a:p>
+              <a:pPr algn="ctr" defTabSz="932472" fontAlgn="base">
+                <a:lnSpc>
+                  <a:spcPct val="90000"/>
+                </a:lnSpc>
+                <a:spcBef>
+                  <a:spcPct val="0"/>
+                </a:spcBef>
+                <a:spcAft>
+                  <a:spcPct val="0"/>
+                </a:spcAft>
+              </a:pPr>
+              <a:r>
+                <a:rPr lang="en-US" sz="1200" dirty="0">
+                  <a:gradFill>
+                    <a:gsLst>
+                      <a:gs pos="0">
+                        <a:srgbClr val="FFFFFF"/>
+                      </a:gs>
+                      <a:gs pos="100000">
+                        <a:srgbClr val="FFFFFF"/>
+                      </a:gs>
+                    </a:gsLst>
+                    <a:lin ang="5400000" scaled="0"/>
+                  </a:gradFill>
+                  <a:ea typeface="Segoe UI" pitchFamily="34" charset="0"/>
+                  <a:cs typeface="Segoe UI" pitchFamily="34" charset="0"/>
+                </a:rPr>
+                <a:t>Queue Connector</a:t>
+              </a:r>
+            </a:p>
+          </p:txBody>
+        </p:sp>
+        <p:sp>
+          <p:nvSpPr>
+            <p:cNvPr id="19" name="Rounded Rectangle 18"/>
+            <p:cNvSpPr/>
+            <p:nvPr/>
+          </p:nvSpPr>
+          <p:spPr bwMode="auto">
+            <a:xfrm>
+              <a:off x="7114182" y="3426441"/>
+              <a:ext cx="1333500" cy="363138"/>
+            </a:xfrm>
+            <a:prstGeom prst="roundRect">
+              <a:avLst/>
+            </a:prstGeom>
+            <a:solidFill>
+              <a:srgbClr val="8E0000"/>
+            </a:solidFill>
+            <a:ln w="19050">
+              <a:solidFill>
+                <a:schemeClr val="tx1">
+                  <a:lumMod val="60000"/>
+                  <a:lumOff val="40000"/>
+                </a:schemeClr>
+              </a:solidFill>
+              <a:headEnd type="none" w="med" len="med"/>
+              <a:tailEnd type="none" w="med" len="med"/>
+            </a:ln>
+            <a:effectLst/>
+          </p:spPr>
+          <p:style>
+            <a:lnRef idx="1">
+              <a:schemeClr val="accent2"/>
+            </a:lnRef>
+            <a:fillRef idx="3">
+              <a:schemeClr val="accent2"/>
+            </a:fillRef>
+            <a:effectRef idx="2">
+              <a:schemeClr val="accent2"/>
+            </a:effectRef>
+            <a:fontRef idx="minor">
+              <a:schemeClr val="lt1"/>
+            </a:fontRef>
+          </p:style>
+          <p:txBody>
+            <a:bodyPr rot="0" spcFirstLastPara="0" vertOverflow="overflow" horzOverflow="overflow" vert="horz" wrap="square" lIns="182880" tIns="146304" rIns="182880" bIns="146304" numCol="1" spcCol="0" rtlCol="0" fromWordArt="0" anchor="ctr" anchorCtr="0" forceAA="0" compatLnSpc="1">
+              <a:prstTxWarp prst="textNoShape">
+                <a:avLst/>
+              </a:prstTxWarp>
+              <a:noAutofit/>
+            </a:bodyPr>
+            <a:lstStyle/>
+            <a:p>
+              <a:pPr algn="ctr" defTabSz="932472" fontAlgn="base">
+                <a:lnSpc>
+                  <a:spcPct val="90000"/>
+                </a:lnSpc>
+                <a:spcBef>
+                  <a:spcPct val="0"/>
+                </a:spcBef>
+                <a:spcAft>
+                  <a:spcPct val="0"/>
+                </a:spcAft>
+              </a:pPr>
+              <a:r>
+                <a:rPr lang="en-US" sz="1200" dirty="0">
+                  <a:gradFill>
+                    <a:gsLst>
+                      <a:gs pos="0">
+                        <a:srgbClr val="FFFFFF"/>
+                      </a:gs>
+                      <a:gs pos="100000">
+                        <a:srgbClr val="FFFFFF"/>
+                      </a:gs>
+                    </a:gsLst>
+                    <a:lin ang="5400000" scaled="0"/>
+                  </a:gradFill>
+                  <a:ea typeface="Segoe UI" pitchFamily="34" charset="0"/>
+                  <a:cs typeface="Segoe UI" pitchFamily="34" charset="0"/>
+                </a:rPr>
+                <a:t>CRM</a:t>
+              </a:r>
+              <a:br>
+                <a:rPr lang="en-US" sz="1200" dirty="0">
+                  <a:gradFill>
+                    <a:gsLst>
+                      <a:gs pos="0">
+                        <a:srgbClr val="FFFFFF"/>
+                      </a:gs>
+                      <a:gs pos="100000">
+                        <a:srgbClr val="FFFFFF"/>
+                      </a:gs>
+                    </a:gsLst>
+                    <a:lin ang="5400000" scaled="0"/>
+                  </a:gradFill>
+                  <a:ea typeface="Segoe UI" pitchFamily="34" charset="0"/>
+                  <a:cs typeface="Segoe UI" pitchFamily="34" charset="0"/>
+                </a:rPr>
+              </a:br>
+              <a:r>
+                <a:rPr lang="en-US" sz="1200" dirty="0">
+                  <a:gradFill>
+                    <a:gsLst>
+                      <a:gs pos="0">
+                        <a:srgbClr val="FFFFFF"/>
+                      </a:gs>
+                      <a:gs pos="100000">
+                        <a:srgbClr val="FFFFFF"/>
+                      </a:gs>
+                    </a:gsLst>
+                    <a:lin ang="5400000" scaled="0"/>
+                  </a:gradFill>
+                  <a:ea typeface="Segoe UI" pitchFamily="34" charset="0"/>
+                  <a:cs typeface="Segoe UI" pitchFamily="34" charset="0"/>
+                </a:rPr>
+                <a:t>Connector</a:t>
+              </a:r>
+            </a:p>
+          </p:txBody>
+        </p:sp>
+        <p:sp>
+          <p:nvSpPr>
+            <p:cNvPr id="20" name="Rounded Rectangle 19"/>
+            <p:cNvSpPr/>
+            <p:nvPr/>
+          </p:nvSpPr>
+          <p:spPr bwMode="auto">
+            <a:xfrm>
+              <a:off x="8649612" y="2139954"/>
+              <a:ext cx="1508760" cy="838290"/>
+            </a:xfrm>
+            <a:prstGeom prst="roundRect">
+              <a:avLst/>
+            </a:prstGeom>
+            <a:solidFill>
+              <a:srgbClr val="002060"/>
+            </a:solidFill>
+            <a:ln w="28575">
+              <a:solidFill>
+                <a:schemeClr val="tx1">
+                  <a:lumMod val="60000"/>
+                  <a:lumOff val="40000"/>
+                </a:schemeClr>
+              </a:solidFill>
+              <a:headEnd type="none" w="med" len="med"/>
+              <a:tailEnd type="none" w="med" len="med"/>
+            </a:ln>
+            <a:effectLst/>
+          </p:spPr>
+          <p:style>
+            <a:lnRef idx="1">
+              <a:schemeClr val="accent2"/>
+            </a:lnRef>
+            <a:fillRef idx="3">
+              <a:schemeClr val="accent2"/>
+            </a:fillRef>
+            <a:effectRef idx="2">
+              <a:schemeClr val="accent2"/>
+            </a:effectRef>
+            <a:fontRef idx="minor">
+              <a:schemeClr val="lt1"/>
+            </a:fontRef>
+          </p:style>
+          <p:txBody>
+            <a:bodyPr rot="0" spcFirstLastPara="0" vertOverflow="overflow" horzOverflow="overflow" vert="horz" wrap="square" lIns="182880" tIns="146304" rIns="182880" bIns="146304" numCol="1" spcCol="0" rtlCol="0" fromWordArt="0" anchor="ctr" anchorCtr="0" forceAA="0" compatLnSpc="1">
+              <a:prstTxWarp prst="textNoShape">
+                <a:avLst/>
+              </a:prstTxWarp>
+              <a:noAutofit/>
+            </a:bodyPr>
+            <a:lstStyle/>
+            <a:p>
+              <a:pPr algn="ctr" defTabSz="932472" fontAlgn="base">
+                <a:lnSpc>
+                  <a:spcPct val="90000"/>
+                </a:lnSpc>
+                <a:spcBef>
+                  <a:spcPct val="0"/>
+                </a:spcBef>
+                <a:spcAft>
+                  <a:spcPct val="0"/>
+                </a:spcAft>
+              </a:pPr>
+              <a:r>
+                <a:rPr lang="en-US" sz="1600" dirty="0" err="1">
+                  <a:gradFill>
+                    <a:gsLst>
+                      <a:gs pos="0">
+                        <a:srgbClr val="FFFFFF"/>
+                      </a:gs>
+                      <a:gs pos="100000">
+                        <a:srgbClr val="FFFFFF"/>
+                      </a:gs>
+                    </a:gsLst>
+                    <a:lin ang="5400000" scaled="0"/>
+                  </a:gradFill>
+                  <a:ea typeface="Segoe UI" pitchFamily="34" charset="0"/>
+                  <a:cs typeface="Segoe UI" pitchFamily="34" charset="0"/>
+                </a:rPr>
+                <a:t>IoT</a:t>
+              </a:r>
+              <a:r>
+                <a:rPr lang="en-US" sz="1600" dirty="0">
+                  <a:gradFill>
+                    <a:gsLst>
+                      <a:gs pos="0">
+                        <a:srgbClr val="FFFFFF"/>
+                      </a:gs>
+                      <a:gs pos="100000">
+                        <a:srgbClr val="FFFFFF"/>
+                      </a:gs>
+                    </a:gsLst>
+                    <a:lin ang="5400000" scaled="0"/>
+                  </a:gradFill>
+                  <a:ea typeface="Segoe UI" pitchFamily="34" charset="0"/>
+                  <a:cs typeface="Segoe UI" pitchFamily="34" charset="0"/>
+                </a:rPr>
+                <a:t> Hub</a:t>
+              </a:r>
+            </a:p>
+          </p:txBody>
+        </p:sp>
+        <p:sp>
+          <p:nvSpPr>
+            <p:cNvPr id="21" name="Rounded Rectangle 20"/>
+            <p:cNvSpPr/>
+            <p:nvPr/>
+          </p:nvSpPr>
+          <p:spPr bwMode="auto">
+            <a:xfrm>
+              <a:off x="8649612" y="3092544"/>
+              <a:ext cx="1508760" cy="838290"/>
+            </a:xfrm>
+            <a:prstGeom prst="roundRect">
+              <a:avLst/>
+            </a:prstGeom>
+            <a:solidFill>
+              <a:srgbClr val="002060"/>
+            </a:solidFill>
+            <a:ln w="28575">
+              <a:solidFill>
+                <a:schemeClr val="tx1">
+                  <a:lumMod val="60000"/>
+                  <a:lumOff val="40000"/>
+                </a:schemeClr>
+              </a:solidFill>
+              <a:headEnd type="none" w="med" len="med"/>
+              <a:tailEnd type="none" w="med" len="med"/>
+            </a:ln>
+            <a:effectLst/>
+          </p:spPr>
+          <p:style>
+            <a:lnRef idx="1">
+              <a:schemeClr val="accent2"/>
+            </a:lnRef>
+            <a:fillRef idx="3">
+              <a:schemeClr val="accent2"/>
+            </a:fillRef>
+            <a:effectRef idx="2">
+              <a:schemeClr val="accent2"/>
+            </a:effectRef>
+            <a:fontRef idx="minor">
+              <a:schemeClr val="lt1"/>
+            </a:fontRef>
+          </p:style>
+          <p:txBody>
+            <a:bodyPr rot="0" spcFirstLastPara="0" vertOverflow="overflow" horzOverflow="overflow" vert="horz" wrap="square" lIns="182880" tIns="146304" rIns="182880" bIns="146304" numCol="1" spcCol="0" rtlCol="0" fromWordArt="0" anchor="ctr" anchorCtr="0" forceAA="0" compatLnSpc="1">
+              <a:prstTxWarp prst="textNoShape">
+                <a:avLst/>
+              </a:prstTxWarp>
+              <a:noAutofit/>
+            </a:bodyPr>
+            <a:lstStyle/>
+            <a:p>
+              <a:pPr algn="ctr" defTabSz="932472" fontAlgn="base">
+                <a:lnSpc>
+                  <a:spcPct val="90000"/>
+                </a:lnSpc>
+                <a:spcBef>
+                  <a:spcPct val="0"/>
+                </a:spcBef>
+                <a:spcAft>
+                  <a:spcPct val="0"/>
+                </a:spcAft>
+              </a:pPr>
+              <a:r>
+                <a:rPr lang="en-US" sz="1600" dirty="0">
+                  <a:gradFill>
+                    <a:gsLst>
+                      <a:gs pos="0">
+                        <a:srgbClr val="FFFFFF"/>
+                      </a:gs>
+                      <a:gs pos="100000">
+                        <a:srgbClr val="FFFFFF"/>
+                      </a:gs>
+                    </a:gsLst>
+                    <a:lin ang="5400000" scaled="0"/>
+                  </a:gradFill>
+                  <a:ea typeface="Segoe UI" pitchFamily="34" charset="0"/>
+                  <a:cs typeface="Segoe UI" pitchFamily="34" charset="0"/>
+                </a:rPr>
+                <a:t>Stream Analytics</a:t>
+              </a:r>
+            </a:p>
+          </p:txBody>
+        </p:sp>
+        <p:sp>
+          <p:nvSpPr>
+            <p:cNvPr id="22" name="Rounded Rectangle 21"/>
+            <p:cNvSpPr/>
+            <p:nvPr/>
+          </p:nvSpPr>
+          <p:spPr bwMode="auto">
+            <a:xfrm>
+              <a:off x="10268862" y="2139954"/>
+              <a:ext cx="1508760" cy="838290"/>
+            </a:xfrm>
+            <a:prstGeom prst="roundRect">
+              <a:avLst/>
+            </a:prstGeom>
+            <a:solidFill>
+              <a:srgbClr val="002060"/>
+            </a:solidFill>
+            <a:ln w="28575">
+              <a:solidFill>
+                <a:schemeClr val="tx1">
+                  <a:lumMod val="60000"/>
+                  <a:lumOff val="40000"/>
+                </a:schemeClr>
+              </a:solidFill>
+              <a:headEnd type="none" w="med" len="med"/>
+              <a:tailEnd type="none" w="med" len="med"/>
+            </a:ln>
+            <a:effectLst/>
+          </p:spPr>
+          <p:style>
+            <a:lnRef idx="1">
+              <a:schemeClr val="accent2"/>
+            </a:lnRef>
+            <a:fillRef idx="3">
+              <a:schemeClr val="accent2"/>
+            </a:fillRef>
+            <a:effectRef idx="2">
+              <a:schemeClr val="accent2"/>
+            </a:effectRef>
+            <a:fontRef idx="minor">
+              <a:schemeClr val="lt1"/>
+            </a:fontRef>
+          </p:style>
+          <p:txBody>
+            <a:bodyPr rot="0" spcFirstLastPara="0" vertOverflow="overflow" horzOverflow="overflow" vert="horz" wrap="square" lIns="182880" tIns="146304" rIns="182880" bIns="146304" numCol="1" spcCol="0" rtlCol="0" fromWordArt="0" anchor="ctr" anchorCtr="0" forceAA="0" compatLnSpc="1">
+              <a:prstTxWarp prst="textNoShape">
+                <a:avLst/>
+              </a:prstTxWarp>
+              <a:noAutofit/>
+            </a:bodyPr>
+            <a:lstStyle/>
+            <a:p>
+              <a:pPr algn="ctr" defTabSz="932472" fontAlgn="base">
+                <a:lnSpc>
+                  <a:spcPct val="90000"/>
+                </a:lnSpc>
+                <a:spcBef>
+                  <a:spcPct val="0"/>
+                </a:spcBef>
+                <a:spcAft>
+                  <a:spcPct val="0"/>
+                </a:spcAft>
+              </a:pPr>
+              <a:r>
+                <a:rPr lang="en-US" sz="1200" dirty="0" err="1">
+                  <a:gradFill>
+                    <a:gsLst>
+                      <a:gs pos="0">
+                        <a:srgbClr val="FFFFFF"/>
+                      </a:gs>
+                      <a:gs pos="100000">
+                        <a:srgbClr val="FFFFFF"/>
+                      </a:gs>
+                    </a:gsLst>
+                    <a:lin ang="5400000" scaled="0"/>
+                  </a:gradFill>
+                  <a:ea typeface="Segoe UI" pitchFamily="34" charset="0"/>
+                  <a:cs typeface="Segoe UI" pitchFamily="34" charset="0"/>
+                </a:rPr>
+                <a:t>AzureStorage</a:t>
+              </a:r>
+              <a:r>
+                <a:rPr lang="en-US" sz="1200" dirty="0">
+                  <a:gradFill>
+                    <a:gsLst>
+                      <a:gs pos="0">
+                        <a:srgbClr val="FFFFFF"/>
+                      </a:gs>
+                      <a:gs pos="100000">
+                        <a:srgbClr val="FFFFFF"/>
+                      </a:gs>
+                    </a:gsLst>
+                    <a:lin ang="5400000" scaled="0"/>
+                  </a:gradFill>
+                  <a:ea typeface="Segoe UI" pitchFamily="34" charset="0"/>
+                  <a:cs typeface="Segoe UI" pitchFamily="34" charset="0"/>
+                </a:rPr>
+                <a:t>:</a:t>
+              </a:r>
+              <a:br>
+                <a:rPr lang="en-US" sz="1200" dirty="0">
+                  <a:gradFill>
+                    <a:gsLst>
+                      <a:gs pos="0">
+                        <a:srgbClr val="FFFFFF"/>
+                      </a:gs>
+                      <a:gs pos="100000">
+                        <a:srgbClr val="FFFFFF"/>
+                      </a:gs>
+                    </a:gsLst>
+                    <a:lin ang="5400000" scaled="0"/>
+                  </a:gradFill>
+                  <a:ea typeface="Segoe UI" pitchFamily="34" charset="0"/>
+                  <a:cs typeface="Segoe UI" pitchFamily="34" charset="0"/>
+                </a:rPr>
+              </a:br>
+              <a:r>
+                <a:rPr lang="en-US" sz="1200" dirty="0">
+                  <a:gradFill>
+                    <a:gsLst>
+                      <a:gs pos="0">
+                        <a:srgbClr val="FFFFFF"/>
+                      </a:gs>
+                      <a:gs pos="100000">
+                        <a:srgbClr val="FFFFFF"/>
+                      </a:gs>
+                    </a:gsLst>
+                    <a:lin ang="5400000" scaled="0"/>
+                  </a:gradFill>
+                  <a:ea typeface="Segoe UI" pitchFamily="34" charset="0"/>
+                  <a:cs typeface="Segoe UI" pitchFamily="34" charset="0"/>
+                </a:rPr>
+                <a:t>Blob, Table, Etc.</a:t>
+              </a:r>
+            </a:p>
+          </p:txBody>
+        </p:sp>
+        <p:sp>
+          <p:nvSpPr>
+            <p:cNvPr id="23" name="Rounded Rectangle 22"/>
+            <p:cNvSpPr/>
+            <p:nvPr/>
+          </p:nvSpPr>
+          <p:spPr bwMode="auto">
+            <a:xfrm>
+              <a:off x="10268862" y="3092544"/>
+              <a:ext cx="1508760" cy="838290"/>
+            </a:xfrm>
+            <a:prstGeom prst="roundRect">
+              <a:avLst/>
+            </a:prstGeom>
+            <a:solidFill>
+              <a:srgbClr val="002060"/>
+            </a:solidFill>
+            <a:ln w="28575">
+              <a:solidFill>
+                <a:schemeClr val="tx1">
+                  <a:lumMod val="60000"/>
+                  <a:lumOff val="40000"/>
+                </a:schemeClr>
+              </a:solidFill>
+              <a:headEnd type="none" w="med" len="med"/>
+              <a:tailEnd type="none" w="med" len="med"/>
+            </a:ln>
+            <a:effectLst/>
+          </p:spPr>
+          <p:style>
+            <a:lnRef idx="1">
+              <a:schemeClr val="accent2"/>
+            </a:lnRef>
+            <a:fillRef idx="3">
+              <a:schemeClr val="accent2"/>
+            </a:fillRef>
+            <a:effectRef idx="2">
+              <a:schemeClr val="accent2"/>
+            </a:effectRef>
+            <a:fontRef idx="minor">
+              <a:schemeClr val="lt1"/>
+            </a:fontRef>
+          </p:style>
+          <p:txBody>
+            <a:bodyPr rot="0" spcFirstLastPara="0" vertOverflow="overflow" horzOverflow="overflow" vert="horz" wrap="square" lIns="182880" tIns="146304" rIns="182880" bIns="146304" numCol="1" spcCol="0" rtlCol="0" fromWordArt="0" anchor="ctr" anchorCtr="0" forceAA="0" compatLnSpc="1">
+              <a:prstTxWarp prst="textNoShape">
+                <a:avLst/>
+              </a:prstTxWarp>
+              <a:noAutofit/>
+            </a:bodyPr>
+            <a:lstStyle/>
+            <a:p>
+              <a:pPr algn="ctr" defTabSz="932472" fontAlgn="base">
+                <a:lnSpc>
+                  <a:spcPct val="90000"/>
+                </a:lnSpc>
+                <a:spcBef>
+                  <a:spcPct val="0"/>
+                </a:spcBef>
+                <a:spcAft>
+                  <a:spcPct val="0"/>
+                </a:spcAft>
+              </a:pPr>
+              <a:r>
+                <a:rPr lang="en-US" sz="1200" dirty="0">
+                  <a:gradFill>
+                    <a:gsLst>
+                      <a:gs pos="0">
+                        <a:srgbClr val="FFFFFF"/>
+                      </a:gs>
+                      <a:gs pos="100000">
+                        <a:srgbClr val="FFFFFF"/>
+                      </a:gs>
+                    </a:gsLst>
+                    <a:lin ang="5400000" scaled="0"/>
+                  </a:gradFill>
+                  <a:ea typeface="Segoe UI" pitchFamily="34" charset="0"/>
+                  <a:cs typeface="Segoe UI" pitchFamily="34" charset="0"/>
+                </a:rPr>
+                <a:t>Database:</a:t>
+              </a:r>
+              <a:br>
+                <a:rPr lang="en-US" sz="1200" dirty="0">
+                  <a:gradFill>
+                    <a:gsLst>
+                      <a:gs pos="0">
+                        <a:srgbClr val="FFFFFF"/>
+                      </a:gs>
+                      <a:gs pos="100000">
+                        <a:srgbClr val="FFFFFF"/>
+                      </a:gs>
+                    </a:gsLst>
+                    <a:lin ang="5400000" scaled="0"/>
+                  </a:gradFill>
+                  <a:ea typeface="Segoe UI" pitchFamily="34" charset="0"/>
+                  <a:cs typeface="Segoe UI" pitchFamily="34" charset="0"/>
+                </a:rPr>
+              </a:br>
+              <a:r>
+                <a:rPr lang="en-US" sz="1200" dirty="0">
+                  <a:gradFill>
+                    <a:gsLst>
+                      <a:gs pos="0">
+                        <a:srgbClr val="FFFFFF"/>
+                      </a:gs>
+                      <a:gs pos="100000">
+                        <a:srgbClr val="FFFFFF"/>
+                      </a:gs>
+                    </a:gsLst>
+                    <a:lin ang="5400000" scaled="0"/>
+                  </a:gradFill>
+                  <a:ea typeface="Segoe UI" pitchFamily="34" charset="0"/>
+                  <a:cs typeface="Segoe UI" pitchFamily="34" charset="0"/>
+                </a:rPr>
+                <a:t>Azure SQL,</a:t>
+              </a:r>
+            </a:p>
+            <a:p>
+              <a:pPr algn="ctr" defTabSz="932472" fontAlgn="base">
+                <a:lnSpc>
+                  <a:spcPct val="90000"/>
+                </a:lnSpc>
+                <a:spcBef>
+                  <a:spcPct val="0"/>
+                </a:spcBef>
+                <a:spcAft>
+                  <a:spcPct val="0"/>
+                </a:spcAft>
+              </a:pPr>
+              <a:r>
+                <a:rPr lang="en-US" sz="1200" dirty="0">
+                  <a:gradFill>
+                    <a:gsLst>
+                      <a:gs pos="0">
+                        <a:srgbClr val="FFFFFF"/>
+                      </a:gs>
+                      <a:gs pos="100000">
+                        <a:srgbClr val="FFFFFF"/>
+                      </a:gs>
+                    </a:gsLst>
+                    <a:lin ang="5400000" scaled="0"/>
+                  </a:gradFill>
+                  <a:ea typeface="Segoe UI" pitchFamily="34" charset="0"/>
+                  <a:cs typeface="Segoe UI" pitchFamily="34" charset="0"/>
+                </a:rPr>
+                <a:t>Document DB, etc.</a:t>
+              </a:r>
+            </a:p>
+          </p:txBody>
+        </p:sp>
+        <p:sp>
+          <p:nvSpPr>
+            <p:cNvPr id="24" name="Rounded Rectangle 23"/>
+            <p:cNvSpPr/>
+            <p:nvPr/>
+          </p:nvSpPr>
+          <p:spPr bwMode="auto">
+            <a:xfrm>
+              <a:off x="6561052" y="5061613"/>
+              <a:ext cx="4072380" cy="952107"/>
+            </a:xfrm>
+            <a:prstGeom prst="roundRect">
+              <a:avLst/>
+            </a:prstGeom>
+            <a:solidFill>
+              <a:schemeClr val="accent1">
+                <a:lumMod val="10000"/>
+                <a:lumOff val="90000"/>
+              </a:schemeClr>
+            </a:solidFill>
+            <a:ln w="28575">
+              <a:solidFill>
+                <a:schemeClr val="tx1">
+                  <a:lumMod val="60000"/>
+                  <a:lumOff val="40000"/>
+                </a:schemeClr>
+              </a:solidFill>
+              <a:headEnd type="none" w="med" len="med"/>
+              <a:tailEnd type="none" w="med" len="med"/>
+            </a:ln>
+            <a:effectLst/>
+          </p:spPr>
+          <p:style>
+            <a:lnRef idx="1">
+              <a:schemeClr val="accent2"/>
+            </a:lnRef>
+            <a:fillRef idx="3">
+              <a:schemeClr val="accent2"/>
+            </a:fillRef>
+            <a:effectRef idx="2">
+              <a:schemeClr val="accent2"/>
+            </a:effectRef>
+            <a:fontRef idx="minor">
+              <a:schemeClr val="lt1"/>
+            </a:fontRef>
+          </p:style>
+          <p:txBody>
+            <a:bodyPr rot="0" spcFirstLastPara="0" vertOverflow="overflow" horzOverflow="overflow" vert="horz" wrap="square" lIns="182880" tIns="146304" rIns="182880" bIns="146304" numCol="1" spcCol="0" rtlCol="0" fromWordArt="0" anchor="t" anchorCtr="0" forceAA="0" compatLnSpc="1">
+              <a:prstTxWarp prst="textNoShape">
+                <a:avLst/>
+              </a:prstTxWarp>
+              <a:noAutofit/>
+            </a:bodyPr>
+            <a:lstStyle/>
+            <a:p>
+              <a:pPr algn="ctr" defTabSz="932472" fontAlgn="base">
+                <a:lnSpc>
+                  <a:spcPct val="90000"/>
+                </a:lnSpc>
+                <a:spcBef>
+                  <a:spcPct val="0"/>
+                </a:spcBef>
+                <a:spcAft>
+                  <a:spcPct val="0"/>
+                </a:spcAft>
+              </a:pPr>
+              <a:endParaRPr lang="en-US" sz="2400" dirty="0" err="1">
+                <a:gradFill>
+                  <a:gsLst>
+                    <a:gs pos="0">
+                      <a:srgbClr val="FFFFFF"/>
+                    </a:gs>
+                    <a:gs pos="100000">
+                      <a:srgbClr val="FFFFFF"/>
+                    </a:gs>
+                  </a:gsLst>
+                  <a:lin ang="5400000" scaled="0"/>
+                </a:gradFill>
+                <a:ea typeface="Segoe UI" pitchFamily="34" charset="0"/>
+                <a:cs typeface="Segoe UI" pitchFamily="34" charset="0"/>
+              </a:endParaRPr>
+            </a:p>
+          </p:txBody>
+        </p:sp>
+        <p:sp>
+          <p:nvSpPr>
+            <p:cNvPr id="25" name="Rounded Rectangle 24"/>
+            <p:cNvSpPr/>
+            <p:nvPr/>
+          </p:nvSpPr>
+          <p:spPr bwMode="auto">
+            <a:xfrm>
+              <a:off x="6744763" y="5292073"/>
+              <a:ext cx="1814778" cy="495525"/>
+            </a:xfrm>
+            <a:prstGeom prst="roundRect">
+              <a:avLst/>
+            </a:prstGeom>
+            <a:solidFill>
+              <a:schemeClr val="accent1">
+                <a:lumMod val="75000"/>
+                <a:lumOff val="25000"/>
+              </a:schemeClr>
+            </a:solidFill>
+            <a:ln>
+              <a:solidFill>
+                <a:schemeClr val="tx1">
+                  <a:lumMod val="60000"/>
+                  <a:lumOff val="40000"/>
+                </a:schemeClr>
+              </a:solidFill>
+              <a:headEnd type="none" w="med" len="med"/>
+              <a:tailEnd type="none" w="med" len="med"/>
+            </a:ln>
+            <a:effectLst/>
+          </p:spPr>
+          <p:style>
+            <a:lnRef idx="1">
+              <a:schemeClr val="accent2"/>
+            </a:lnRef>
+            <a:fillRef idx="3">
+              <a:schemeClr val="accent2"/>
+            </a:fillRef>
+            <a:effectRef idx="2">
+              <a:schemeClr val="accent2"/>
+            </a:effectRef>
+            <a:fontRef idx="minor">
+              <a:schemeClr val="lt1"/>
+            </a:fontRef>
+          </p:style>
+          <p:txBody>
+            <a:bodyPr rot="0" spcFirstLastPara="0" vertOverflow="overflow" horzOverflow="overflow" vert="horz" wrap="square" lIns="182880" tIns="146304" rIns="182880" bIns="146304" numCol="1" spcCol="0" rtlCol="0" fromWordArt="0" anchor="ctr" anchorCtr="0" forceAA="0" compatLnSpc="1">
+              <a:prstTxWarp prst="textNoShape">
+                <a:avLst/>
+              </a:prstTxWarp>
+              <a:noAutofit/>
+            </a:bodyPr>
+            <a:lstStyle/>
+            <a:p>
+              <a:pPr algn="ctr" defTabSz="932472" fontAlgn="base">
+                <a:lnSpc>
+                  <a:spcPct val="90000"/>
+                </a:lnSpc>
+                <a:spcBef>
+                  <a:spcPct val="0"/>
+                </a:spcBef>
+                <a:spcAft>
+                  <a:spcPct val="0"/>
+                </a:spcAft>
+              </a:pPr>
+              <a:r>
+                <a:rPr lang="en-US" sz="1600" dirty="0">
+                  <a:gradFill>
+                    <a:gsLst>
+                      <a:gs pos="0">
+                        <a:srgbClr val="FFFFFF"/>
+                      </a:gs>
+                      <a:gs pos="100000">
+                        <a:srgbClr val="FFFFFF"/>
+                      </a:gs>
+                    </a:gsLst>
+                    <a:lin ang="5400000" scaled="0"/>
+                  </a:gradFill>
+                  <a:ea typeface="Segoe UI" pitchFamily="34" charset="0"/>
+                  <a:cs typeface="Segoe UI" pitchFamily="34" charset="0"/>
+                </a:rPr>
+                <a:t>Azure</a:t>
+              </a:r>
+              <a:br>
+                <a:rPr lang="en-US" sz="1600" dirty="0">
+                  <a:gradFill>
+                    <a:gsLst>
+                      <a:gs pos="0">
+                        <a:srgbClr val="FFFFFF"/>
+                      </a:gs>
+                      <a:gs pos="100000">
+                        <a:srgbClr val="FFFFFF"/>
+                      </a:gs>
+                    </a:gsLst>
+                    <a:lin ang="5400000" scaled="0"/>
+                  </a:gradFill>
+                  <a:ea typeface="Segoe UI" pitchFamily="34" charset="0"/>
+                  <a:cs typeface="Segoe UI" pitchFamily="34" charset="0"/>
+                </a:rPr>
+              </a:br>
+              <a:r>
+                <a:rPr lang="en-US" sz="1600" dirty="0">
+                  <a:gradFill>
+                    <a:gsLst>
+                      <a:gs pos="0">
+                        <a:srgbClr val="FFFFFF"/>
+                      </a:gs>
+                      <a:gs pos="100000">
+                        <a:srgbClr val="FFFFFF"/>
+                      </a:gs>
+                    </a:gsLst>
+                    <a:lin ang="5400000" scaled="0"/>
+                  </a:gradFill>
+                  <a:ea typeface="Segoe UI" pitchFamily="34" charset="0"/>
+                  <a:cs typeface="Segoe UI" pitchFamily="34" charset="0"/>
+                </a:rPr>
+                <a:t>Service Bus</a:t>
+              </a:r>
+            </a:p>
+          </p:txBody>
+        </p:sp>
+        <p:sp>
+          <p:nvSpPr>
+            <p:cNvPr id="26" name="Rounded Rectangle 25"/>
+            <p:cNvSpPr/>
+            <p:nvPr/>
+          </p:nvSpPr>
+          <p:spPr bwMode="auto">
+            <a:xfrm>
+              <a:off x="8670246" y="5292073"/>
+              <a:ext cx="1814778" cy="495525"/>
+            </a:xfrm>
+            <a:prstGeom prst="roundRect">
+              <a:avLst/>
+            </a:prstGeom>
+            <a:solidFill>
+              <a:schemeClr val="accent1">
+                <a:lumMod val="75000"/>
+                <a:lumOff val="25000"/>
+              </a:schemeClr>
+            </a:solidFill>
+            <a:ln>
+              <a:solidFill>
+                <a:schemeClr val="tx1">
+                  <a:lumMod val="60000"/>
+                  <a:lumOff val="40000"/>
+                </a:schemeClr>
+              </a:solidFill>
+              <a:headEnd type="none" w="med" len="med"/>
+              <a:tailEnd type="none" w="med" len="med"/>
+            </a:ln>
+            <a:effectLst/>
+          </p:spPr>
+          <p:style>
+            <a:lnRef idx="1">
+              <a:schemeClr val="accent2"/>
+            </a:lnRef>
+            <a:fillRef idx="3">
+              <a:schemeClr val="accent2"/>
+            </a:fillRef>
+            <a:effectRef idx="2">
+              <a:schemeClr val="accent2"/>
+            </a:effectRef>
+            <a:fontRef idx="minor">
+              <a:schemeClr val="lt1"/>
+            </a:fontRef>
+          </p:style>
+          <p:txBody>
+            <a:bodyPr rot="0" spcFirstLastPara="0" vertOverflow="overflow" horzOverflow="overflow" vert="horz" wrap="square" lIns="182880" tIns="146304" rIns="182880" bIns="146304" numCol="1" spcCol="0" rtlCol="0" fromWordArt="0" anchor="ctr" anchorCtr="0" forceAA="0" compatLnSpc="1">
+              <a:prstTxWarp prst="textNoShape">
+                <a:avLst/>
+              </a:prstTxWarp>
+              <a:noAutofit/>
+            </a:bodyPr>
+            <a:lstStyle/>
+            <a:p>
+              <a:pPr algn="ctr" defTabSz="932472" fontAlgn="base">
+                <a:lnSpc>
+                  <a:spcPct val="90000"/>
+                </a:lnSpc>
+                <a:spcBef>
+                  <a:spcPct val="0"/>
+                </a:spcBef>
+                <a:spcAft>
+                  <a:spcPct val="0"/>
+                </a:spcAft>
+              </a:pPr>
+              <a:r>
+                <a:rPr lang="en-US" sz="1600" dirty="0">
+                  <a:gradFill>
+                    <a:gsLst>
+                      <a:gs pos="0">
+                        <a:srgbClr val="FFFFFF"/>
+                      </a:gs>
+                      <a:gs pos="100000">
+                        <a:srgbClr val="FFFFFF"/>
+                      </a:gs>
+                    </a:gsLst>
+                    <a:lin ang="5400000" scaled="0"/>
+                  </a:gradFill>
+                  <a:ea typeface="Segoe UI" pitchFamily="34" charset="0"/>
+                  <a:cs typeface="Segoe UI" pitchFamily="34" charset="0"/>
+                </a:rPr>
+                <a:t>Azure</a:t>
+              </a:r>
+              <a:br>
+                <a:rPr lang="en-US" sz="1600" dirty="0">
+                  <a:gradFill>
+                    <a:gsLst>
+                      <a:gs pos="0">
+                        <a:srgbClr val="FFFFFF"/>
+                      </a:gs>
+                      <a:gs pos="100000">
+                        <a:srgbClr val="FFFFFF"/>
+                      </a:gs>
+                    </a:gsLst>
+                    <a:lin ang="5400000" scaled="0"/>
+                  </a:gradFill>
+                  <a:ea typeface="Segoe UI" pitchFamily="34" charset="0"/>
+                  <a:cs typeface="Segoe UI" pitchFamily="34" charset="0"/>
+                </a:rPr>
+              </a:br>
+              <a:r>
+                <a:rPr lang="en-US" sz="1600" dirty="0">
+                  <a:gradFill>
+                    <a:gsLst>
+                      <a:gs pos="0">
+                        <a:srgbClr val="FFFFFF"/>
+                      </a:gs>
+                      <a:gs pos="100000">
+                        <a:srgbClr val="FFFFFF"/>
+                      </a:gs>
+                    </a:gsLst>
+                    <a:lin ang="5400000" scaled="0"/>
+                  </a:gradFill>
+                  <a:ea typeface="Segoe UI" pitchFamily="34" charset="0"/>
+                  <a:cs typeface="Segoe UI" pitchFamily="34" charset="0"/>
+                </a:rPr>
+                <a:t>Service Bus</a:t>
+              </a:r>
+            </a:p>
+          </p:txBody>
+        </p:sp>
+        <p:sp>
+          <p:nvSpPr>
+            <p:cNvPr id="27" name="Rounded Rectangle 26"/>
+            <p:cNvSpPr/>
+            <p:nvPr/>
+          </p:nvSpPr>
+          <p:spPr bwMode="auto">
+            <a:xfrm>
+              <a:off x="373380" y="5061613"/>
+              <a:ext cx="1859105" cy="952107"/>
+            </a:xfrm>
+            <a:prstGeom prst="roundRect">
+              <a:avLst/>
+            </a:prstGeom>
+            <a:solidFill>
+              <a:srgbClr val="008DB5"/>
+            </a:solidFill>
+            <a:ln w="28575">
+              <a:solidFill>
+                <a:schemeClr val="tx1">
+                  <a:lumMod val="60000"/>
+                  <a:lumOff val="40000"/>
+                </a:schemeClr>
+              </a:solidFill>
+              <a:headEnd type="none" w="med" len="med"/>
+              <a:tailEnd type="none" w="med" len="med"/>
+            </a:ln>
+            <a:effectLst/>
+          </p:spPr>
+          <p:style>
+            <a:lnRef idx="1">
+              <a:schemeClr val="accent2"/>
+            </a:lnRef>
+            <a:fillRef idx="3">
+              <a:schemeClr val="accent2"/>
+            </a:fillRef>
+            <a:effectRef idx="2">
+              <a:schemeClr val="accent2"/>
+            </a:effectRef>
+            <a:fontRef idx="minor">
+              <a:schemeClr val="lt1"/>
+            </a:fontRef>
+          </p:style>
+          <p:txBody>
+            <a:bodyPr rot="0" spcFirstLastPara="0" vertOverflow="overflow" horzOverflow="overflow" vert="horz" wrap="square" lIns="182880" tIns="146304" rIns="182880" bIns="146304" numCol="1" spcCol="0" rtlCol="0" fromWordArt="0" anchor="t" anchorCtr="0" forceAA="0" compatLnSpc="1">
+              <a:prstTxWarp prst="textNoShape">
+                <a:avLst/>
+              </a:prstTxWarp>
+              <a:noAutofit/>
+            </a:bodyPr>
+            <a:lstStyle/>
+            <a:p>
+              <a:pPr algn="ctr" defTabSz="932472" fontAlgn="base">
+                <a:lnSpc>
+                  <a:spcPct val="90000"/>
+                </a:lnSpc>
+                <a:spcBef>
+                  <a:spcPct val="0"/>
+                </a:spcBef>
+                <a:spcAft>
+                  <a:spcPct val="0"/>
+                </a:spcAft>
+              </a:pPr>
+              <a:r>
+                <a:rPr lang="en-US" sz="2400" dirty="0">
+                  <a:gradFill>
+                    <a:gsLst>
+                      <a:gs pos="0">
+                        <a:srgbClr val="FFFFFF"/>
+                      </a:gs>
+                      <a:gs pos="100000">
+                        <a:srgbClr val="FFFFFF"/>
+                      </a:gs>
+                    </a:gsLst>
+                    <a:lin ang="5400000" scaled="0"/>
+                  </a:gradFill>
+                  <a:ea typeface="Segoe UI" pitchFamily="34" charset="0"/>
+                  <a:cs typeface="Segoe UI" pitchFamily="34" charset="0"/>
+                </a:rPr>
+                <a:t>Mobile Client</a:t>
+              </a:r>
+            </a:p>
+          </p:txBody>
+        </p:sp>
+        <p:cxnSp>
+          <p:nvCxnSpPr>
+            <p:cNvPr id="31" name="Straight Arrow Connector 30"/>
+            <p:cNvCxnSpPr>
+              <a:stCxn id="24" idx="0"/>
+              <a:endCxn id="5" idx="2"/>
+            </p:cNvCxnSpPr>
+            <p:nvPr/>
+          </p:nvCxnSpPr>
+          <p:spPr>
+            <a:xfrm flipH="1" flipV="1">
+              <a:off x="8593050" y="4274820"/>
+              <a:ext cx="4192" cy="786793"/>
+            </a:xfrm>
+            <a:prstGeom prst="straightConnector1">
+              <a:avLst/>
+            </a:prstGeom>
+            <a:ln w="38100">
+              <a:solidFill>
+                <a:schemeClr val="tx1">
+                  <a:lumMod val="60000"/>
+                  <a:lumOff val="40000"/>
+                </a:schemeClr>
+              </a:solidFill>
+              <a:headEnd type="none"/>
+              <a:tailEnd type="triangle"/>
+            </a:ln>
+          </p:spPr>
+          <p:style>
+            <a:lnRef idx="1">
+              <a:schemeClr val="accent1"/>
+            </a:lnRef>
+            <a:fillRef idx="0">
+              <a:schemeClr val="accent1"/>
+            </a:fillRef>
+            <a:effectRef idx="0">
+              <a:schemeClr val="accent1"/>
+            </a:effectRef>
+            <a:fontRef idx="minor">
+              <a:schemeClr val="tx1"/>
+            </a:fontRef>
+          </p:style>
+        </p:cxnSp>
+        <p:cxnSp>
+          <p:nvCxnSpPr>
+            <p:cNvPr id="34" name="Straight Arrow Connector 33"/>
+            <p:cNvCxnSpPr>
+              <a:stCxn id="27" idx="0"/>
+            </p:cNvCxnSpPr>
+            <p:nvPr/>
+          </p:nvCxnSpPr>
+          <p:spPr>
+            <a:xfrm flipV="1">
+              <a:off x="1302933" y="4244340"/>
+              <a:ext cx="0" cy="817273"/>
+            </a:xfrm>
+            <a:prstGeom prst="straightConnector1">
+              <a:avLst/>
+            </a:prstGeom>
+            <a:ln w="38100">
+              <a:solidFill>
+                <a:schemeClr val="tx1">
+                  <a:lumMod val="60000"/>
+                  <a:lumOff val="40000"/>
+                </a:schemeClr>
+              </a:solidFill>
+              <a:headEnd type="none"/>
+              <a:tailEnd type="triangle"/>
+            </a:ln>
+          </p:spPr>
+          <p:style>
+            <a:lnRef idx="1">
+              <a:schemeClr val="accent1"/>
+            </a:lnRef>
+            <a:fillRef idx="0">
+              <a:schemeClr val="accent1"/>
+            </a:fillRef>
+            <a:effectRef idx="0">
+              <a:schemeClr val="accent1"/>
+            </a:effectRef>
+            <a:fontRef idx="minor">
+              <a:schemeClr val="tx1"/>
+            </a:fontRef>
+          </p:style>
+        </p:cxnSp>
+        <p:cxnSp>
+          <p:nvCxnSpPr>
+            <p:cNvPr id="40" name="Straight Arrow Connector 39"/>
+            <p:cNvCxnSpPr/>
+            <p:nvPr/>
+          </p:nvCxnSpPr>
+          <p:spPr>
+            <a:xfrm>
+              <a:off x="3840480" y="2445975"/>
+              <a:ext cx="1327380" cy="0"/>
+            </a:xfrm>
+            <a:prstGeom prst="straightConnector1">
+              <a:avLst/>
+            </a:prstGeom>
+            <a:ln w="38100">
+              <a:solidFill>
+                <a:schemeClr val="tx1">
+                  <a:lumMod val="60000"/>
+                  <a:lumOff val="40000"/>
+                </a:schemeClr>
+              </a:solidFill>
+              <a:headEnd type="none"/>
+              <a:tailEnd type="triangle"/>
+            </a:ln>
+          </p:spPr>
+          <p:style>
+            <a:lnRef idx="1">
+              <a:schemeClr val="accent1"/>
+            </a:lnRef>
+            <a:fillRef idx="0">
+              <a:schemeClr val="accent1"/>
+            </a:fillRef>
+            <a:effectRef idx="0">
+              <a:schemeClr val="accent1"/>
+            </a:effectRef>
+            <a:fontRef idx="minor">
+              <a:schemeClr val="tx1"/>
+            </a:fontRef>
+          </p:style>
+        </p:cxnSp>
+        <p:cxnSp>
+          <p:nvCxnSpPr>
+            <p:cNvPr id="42" name="Straight Arrow Connector 41"/>
+            <p:cNvCxnSpPr/>
+            <p:nvPr/>
+          </p:nvCxnSpPr>
+          <p:spPr>
+            <a:xfrm flipH="1">
+              <a:off x="3840480" y="3450210"/>
+              <a:ext cx="1327380" cy="0"/>
+            </a:xfrm>
+            <a:prstGeom prst="straightConnector1">
+              <a:avLst/>
+            </a:prstGeom>
+            <a:ln w="38100">
+              <a:solidFill>
+                <a:schemeClr val="tx1">
+                  <a:lumMod val="60000"/>
+                  <a:lumOff val="40000"/>
+                </a:schemeClr>
+              </a:solidFill>
+              <a:headEnd type="none"/>
+              <a:tailEnd type="triangle"/>
+            </a:ln>
+          </p:spPr>
+          <p:style>
+            <a:lnRef idx="1">
+              <a:schemeClr val="accent1"/>
+            </a:lnRef>
+            <a:fillRef idx="0">
+              <a:schemeClr val="accent1"/>
+            </a:fillRef>
+            <a:effectRef idx="0">
+              <a:schemeClr val="accent1"/>
+            </a:effectRef>
+            <a:fontRef idx="minor">
+              <a:schemeClr val="tx1"/>
+            </a:fontRef>
+          </p:style>
+        </p:cxnSp>
+        <p:cxnSp>
+          <p:nvCxnSpPr>
+            <p:cNvPr id="46" name="Straight Arrow Connector 45"/>
+            <p:cNvCxnSpPr/>
+            <p:nvPr/>
+          </p:nvCxnSpPr>
+          <p:spPr>
+            <a:xfrm flipV="1">
+              <a:off x="3073138" y="5518813"/>
+              <a:ext cx="3487914" cy="5299"/>
+            </a:xfrm>
+            <a:prstGeom prst="straightConnector1">
+              <a:avLst/>
+            </a:prstGeom>
+            <a:ln w="38100">
+              <a:solidFill>
+                <a:schemeClr val="tx1">
+                  <a:lumMod val="60000"/>
+                  <a:lumOff val="40000"/>
+                </a:schemeClr>
+              </a:solidFill>
+              <a:headEnd type="none"/>
+              <a:tailEnd type="triangle"/>
+            </a:ln>
+          </p:spPr>
+          <p:style>
+            <a:lnRef idx="1">
+              <a:schemeClr val="accent1"/>
+            </a:lnRef>
+            <a:fillRef idx="0">
+              <a:schemeClr val="accent1"/>
+            </a:fillRef>
+            <a:effectRef idx="0">
+              <a:schemeClr val="accent1"/>
+            </a:effectRef>
+            <a:fontRef idx="minor">
+              <a:schemeClr val="tx1"/>
+            </a:fontRef>
+          </p:style>
+        </p:cxnSp>
+        <p:cxnSp>
+          <p:nvCxnSpPr>
+            <p:cNvPr id="48" name="Straight Arrow Connector 47"/>
+            <p:cNvCxnSpPr/>
+            <p:nvPr/>
+          </p:nvCxnSpPr>
+          <p:spPr>
+            <a:xfrm flipV="1">
+              <a:off x="3086676" y="4274820"/>
+              <a:ext cx="0" cy="1262846"/>
+            </a:xfrm>
+            <a:prstGeom prst="straightConnector1">
+              <a:avLst/>
+            </a:prstGeom>
+            <a:ln w="38100">
+              <a:solidFill>
+                <a:schemeClr val="tx1">
+                  <a:lumMod val="60000"/>
+                  <a:lumOff val="40000"/>
+                </a:schemeClr>
+              </a:solidFill>
+              <a:headEnd type="none"/>
+              <a:tailEnd type="triangle"/>
+            </a:ln>
+          </p:spPr>
+          <p:style>
+            <a:lnRef idx="1">
+              <a:schemeClr val="accent1"/>
+            </a:lnRef>
+            <a:fillRef idx="0">
+              <a:schemeClr val="accent1"/>
+            </a:fillRef>
+            <a:effectRef idx="0">
+              <a:schemeClr val="accent1"/>
+            </a:effectRef>
+            <a:fontRef idx="minor">
+              <a:schemeClr val="tx1"/>
+            </a:fontRef>
+          </p:style>
+        </p:cxnSp>
+        <p:sp>
+          <p:nvSpPr>
+            <p:cNvPr id="52" name="TextBox 51"/>
+            <p:cNvSpPr txBox="1"/>
+            <p:nvPr/>
+          </p:nvSpPr>
+          <p:spPr>
+            <a:xfrm>
+              <a:off x="3516154" y="1933508"/>
+              <a:ext cx="1976033" cy="586314"/>
+            </a:xfrm>
+            <a:prstGeom prst="rect">
+              <a:avLst/>
+            </a:prstGeom>
+            <a:noFill/>
+          </p:spPr>
+          <p:txBody>
+            <a:bodyPr wrap="square" lIns="182880" tIns="146304" rIns="182880" bIns="146304" rtlCol="0">
+              <a:spAutoFit/>
+            </a:bodyPr>
+            <a:lstStyle/>
+            <a:p>
+              <a:pPr algn="ctr">
+                <a:lnSpc>
+                  <a:spcPct val="90000"/>
+                </a:lnSpc>
+                <a:spcAft>
+                  <a:spcPts val="600"/>
+                </a:spcAft>
+              </a:pPr>
+              <a:r>
+                <a:rPr lang="en-US" sz="1050" b="1" dirty="0">
+                  <a:gradFill>
+                    <a:gsLst>
+                      <a:gs pos="2917">
+                        <a:schemeClr val="tx1"/>
+                      </a:gs>
+                      <a:gs pos="30000">
+                        <a:schemeClr val="tx1"/>
+                      </a:gs>
+                    </a:gsLst>
+                    <a:lin ang="5400000" scaled="0"/>
+                  </a:gradFill>
+                </a:rPr>
+                <a:t>Register Device,</a:t>
+              </a:r>
+              <a:br>
+                <a:rPr lang="en-US" sz="1050" b="1" dirty="0">
+                  <a:gradFill>
+                    <a:gsLst>
+                      <a:gs pos="2917">
+                        <a:schemeClr val="tx1"/>
+                      </a:gs>
+                      <a:gs pos="30000">
+                        <a:schemeClr val="tx1"/>
+                      </a:gs>
+                    </a:gsLst>
+                    <a:lin ang="5400000" scaled="0"/>
+                  </a:gradFill>
+                </a:rPr>
+              </a:br>
+              <a:r>
+                <a:rPr lang="en-US" sz="1050" b="1" dirty="0">
+                  <a:gradFill>
+                    <a:gsLst>
+                      <a:gs pos="2917">
+                        <a:schemeClr val="tx1"/>
+                      </a:gs>
+                      <a:gs pos="30000">
+                        <a:schemeClr val="tx1"/>
+                      </a:gs>
+                    </a:gsLst>
+                    <a:lin ang="5400000" scaled="0"/>
+                  </a:gradFill>
+                </a:rPr>
+                <a:t>Device Commands</a:t>
+              </a:r>
+            </a:p>
+          </p:txBody>
+        </p:sp>
+        <p:sp>
+          <p:nvSpPr>
+            <p:cNvPr id="53" name="TextBox 52"/>
+            <p:cNvSpPr txBox="1"/>
+            <p:nvPr/>
+          </p:nvSpPr>
+          <p:spPr>
+            <a:xfrm>
+              <a:off x="3538835" y="3394530"/>
+              <a:ext cx="1976033" cy="586314"/>
+            </a:xfrm>
+            <a:prstGeom prst="rect">
+              <a:avLst/>
+            </a:prstGeom>
+            <a:noFill/>
+          </p:spPr>
+          <p:txBody>
+            <a:bodyPr wrap="square" lIns="182880" tIns="146304" rIns="182880" bIns="146304" rtlCol="0">
+              <a:spAutoFit/>
+            </a:bodyPr>
+            <a:lstStyle/>
+            <a:p>
+              <a:pPr algn="ctr">
+                <a:lnSpc>
+                  <a:spcPct val="90000"/>
+                </a:lnSpc>
+                <a:spcAft>
+                  <a:spcPts val="600"/>
+                </a:spcAft>
+              </a:pPr>
+              <a:r>
+                <a:rPr lang="en-US" sz="1050" b="1" dirty="0">
+                  <a:gradFill>
+                    <a:gsLst>
+                      <a:gs pos="2917">
+                        <a:schemeClr val="tx1"/>
+                      </a:gs>
+                      <a:gs pos="30000">
+                        <a:schemeClr val="tx1"/>
+                      </a:gs>
+                    </a:gsLst>
+                    <a:lin ang="5400000" scaled="0"/>
+                  </a:gradFill>
+                </a:rPr>
+                <a:t>Registration Status,</a:t>
+              </a:r>
+              <a:br>
+                <a:rPr lang="en-US" sz="1050" b="1" dirty="0">
+                  <a:gradFill>
+                    <a:gsLst>
+                      <a:gs pos="2917">
+                        <a:schemeClr val="tx1"/>
+                      </a:gs>
+                      <a:gs pos="30000">
+                        <a:schemeClr val="tx1"/>
+                      </a:gs>
+                    </a:gsLst>
+                    <a:lin ang="5400000" scaled="0"/>
+                  </a:gradFill>
+                </a:rPr>
+              </a:br>
+              <a:r>
+                <a:rPr lang="en-US" sz="1050" b="1" dirty="0" err="1">
+                  <a:gradFill>
+                    <a:gsLst>
+                      <a:gs pos="2917">
+                        <a:schemeClr val="tx1"/>
+                      </a:gs>
+                      <a:gs pos="30000">
+                        <a:schemeClr val="tx1"/>
+                      </a:gs>
+                    </a:gsLst>
+                    <a:lin ang="5400000" scaled="0"/>
+                  </a:gradFill>
+                </a:rPr>
+                <a:t>IoT</a:t>
+              </a:r>
+              <a:r>
+                <a:rPr lang="en-US" sz="1050" b="1" dirty="0">
+                  <a:gradFill>
+                    <a:gsLst>
+                      <a:gs pos="2917">
+                        <a:schemeClr val="tx1"/>
+                      </a:gs>
+                      <a:gs pos="30000">
+                        <a:schemeClr val="tx1"/>
+                      </a:gs>
+                    </a:gsLst>
+                    <a:lin ang="5400000" scaled="0"/>
+                  </a:gradFill>
+                </a:rPr>
+                <a:t> Alerts</a:t>
+              </a:r>
+            </a:p>
+          </p:txBody>
+        </p:sp>
+        <p:sp>
+          <p:nvSpPr>
+            <p:cNvPr id="56" name="TextBox 55"/>
+            <p:cNvSpPr txBox="1"/>
+            <p:nvPr/>
+          </p:nvSpPr>
+          <p:spPr>
+            <a:xfrm>
+              <a:off x="7945597" y="4512973"/>
+              <a:ext cx="1294905" cy="440890"/>
+            </a:xfrm>
+            <a:prstGeom prst="rect">
+              <a:avLst/>
+            </a:prstGeom>
+            <a:solidFill>
+              <a:schemeClr val="bg1"/>
+            </a:solidFill>
+          </p:spPr>
+          <p:txBody>
+            <a:bodyPr wrap="square" lIns="182880" tIns="146304" rIns="182880" bIns="146304" rtlCol="0" anchor="ctr">
+              <a:spAutoFit/>
+            </a:bodyPr>
+            <a:lstStyle/>
+            <a:p>
+              <a:pPr algn="ctr">
+                <a:lnSpc>
+                  <a:spcPct val="90000"/>
+                </a:lnSpc>
+                <a:spcAft>
+                  <a:spcPts val="600"/>
+                </a:spcAft>
+              </a:pPr>
+              <a:r>
+                <a:rPr lang="en-US" sz="1050" b="1" dirty="0">
+                  <a:gradFill>
+                    <a:gsLst>
+                      <a:gs pos="2917">
+                        <a:schemeClr val="tx1"/>
+                      </a:gs>
+                      <a:gs pos="30000">
+                        <a:schemeClr val="tx1"/>
+                      </a:gs>
+                    </a:gsLst>
+                    <a:lin ang="5400000" scaled="0"/>
+                  </a:gradFill>
+                </a:rPr>
+                <a:t>Direct Query</a:t>
+              </a:r>
+              <a:endParaRPr lang="en-US" sz="900" b="1" dirty="0">
+                <a:gradFill>
+                  <a:gsLst>
+                    <a:gs pos="2917">
+                      <a:schemeClr val="tx1"/>
+                    </a:gs>
+                    <a:gs pos="30000">
+                      <a:schemeClr val="tx1"/>
+                    </a:gs>
+                  </a:gsLst>
+                  <a:lin ang="5400000" scaled="0"/>
+                </a:gradFill>
+              </a:endParaRPr>
+            </a:p>
+          </p:txBody>
+        </p:sp>
+        <p:sp>
+          <p:nvSpPr>
+            <p:cNvPr id="57" name="TextBox 56"/>
+            <p:cNvSpPr txBox="1"/>
+            <p:nvPr/>
+          </p:nvSpPr>
+          <p:spPr>
+            <a:xfrm>
+              <a:off x="477015" y="4512973"/>
+              <a:ext cx="1651833" cy="440890"/>
+            </a:xfrm>
+            <a:prstGeom prst="rect">
+              <a:avLst/>
+            </a:prstGeom>
+            <a:solidFill>
+              <a:schemeClr val="bg1"/>
+            </a:solidFill>
+          </p:spPr>
+          <p:txBody>
+            <a:bodyPr wrap="square" lIns="182880" tIns="146304" rIns="182880" bIns="146304" rtlCol="0">
+              <a:spAutoFit/>
+            </a:bodyPr>
+            <a:lstStyle/>
+            <a:p>
+              <a:pPr algn="ctr">
+                <a:lnSpc>
+                  <a:spcPct val="90000"/>
+                </a:lnSpc>
+                <a:spcAft>
+                  <a:spcPts val="600"/>
+                </a:spcAft>
+              </a:pPr>
+              <a:r>
+                <a:rPr lang="en-US" sz="1050" b="1" dirty="0">
+                  <a:gradFill>
+                    <a:gsLst>
+                      <a:gs pos="2917">
+                        <a:schemeClr val="tx1"/>
+                      </a:gs>
+                      <a:gs pos="30000">
+                        <a:schemeClr val="tx1"/>
+                      </a:gs>
+                    </a:gsLst>
+                    <a:lin ang="5400000" scaled="0"/>
+                  </a:gradFill>
+                </a:rPr>
+                <a:t>Register</a:t>
+              </a:r>
+              <a:r>
+                <a:rPr lang="en-US" sz="900" b="1" dirty="0">
+                  <a:gradFill>
+                    <a:gsLst>
+                      <a:gs pos="2917">
+                        <a:schemeClr val="tx1"/>
+                      </a:gs>
+                      <a:gs pos="30000">
+                        <a:schemeClr val="tx1"/>
+                      </a:gs>
+                    </a:gsLst>
+                    <a:lin ang="5400000" scaled="0"/>
+                  </a:gradFill>
+                </a:rPr>
+                <a:t> </a:t>
+              </a:r>
+              <a:r>
+                <a:rPr lang="en-US" sz="1050" b="1" dirty="0">
+                  <a:gradFill>
+                    <a:gsLst>
+                      <a:gs pos="2917">
+                        <a:schemeClr val="tx1"/>
+                      </a:gs>
+                      <a:gs pos="30000">
+                        <a:schemeClr val="tx1"/>
+                      </a:gs>
+                    </a:gsLst>
+                    <a:lin ang="5400000" scaled="0"/>
+                  </a:gradFill>
+                </a:rPr>
+                <a:t>Asset</a:t>
+              </a:r>
+              <a:endParaRPr lang="en-US" sz="900" b="1" dirty="0">
+                <a:gradFill>
+                  <a:gsLst>
+                    <a:gs pos="2917">
+                      <a:schemeClr val="tx1"/>
+                    </a:gs>
+                    <a:gs pos="30000">
+                      <a:schemeClr val="tx1"/>
+                    </a:gs>
+                  </a:gsLst>
+                  <a:lin ang="5400000" scaled="0"/>
+                </a:gradFill>
+              </a:endParaRPr>
+            </a:p>
+          </p:txBody>
+        </p:sp>
+        <p:sp>
+          <p:nvSpPr>
+            <p:cNvPr id="63" name="TextBox 62"/>
+            <p:cNvSpPr txBox="1"/>
+            <p:nvPr/>
+          </p:nvSpPr>
+          <p:spPr>
+            <a:xfrm>
+              <a:off x="6457415" y="4634216"/>
+              <a:ext cx="1439240" cy="572464"/>
+            </a:xfrm>
+            <a:prstGeom prst="rect">
+              <a:avLst/>
+            </a:prstGeom>
+            <a:noFill/>
+          </p:spPr>
+          <p:txBody>
+            <a:bodyPr wrap="none" lIns="182880" tIns="146304" rIns="182880" bIns="146304" rtlCol="0">
+              <a:spAutoFit/>
+            </a:bodyPr>
+            <a:lstStyle/>
+            <a:p>
+              <a:pPr>
+                <a:lnSpc>
+                  <a:spcPct val="90000"/>
+                </a:lnSpc>
+                <a:spcAft>
+                  <a:spcPts val="600"/>
+                </a:spcAft>
+              </a:pPr>
+              <a:r>
+                <a:rPr lang="en-US" sz="2000" b="1" dirty="0">
+                  <a:gradFill>
+                    <a:gsLst>
+                      <a:gs pos="2917">
+                        <a:schemeClr val="tx1"/>
+                      </a:gs>
+                      <a:gs pos="30000">
+                        <a:schemeClr val="tx1"/>
+                      </a:gs>
+                    </a:gsLst>
+                    <a:lin ang="5400000" scaled="0"/>
+                  </a:gradFill>
+                </a:rPr>
+                <a:t>Power BI</a:t>
+              </a:r>
+            </a:p>
+          </p:txBody>
+        </p:sp>
+        <p:sp>
+          <p:nvSpPr>
+            <p:cNvPr id="66" name="TextBox 65"/>
+            <p:cNvSpPr txBox="1"/>
+            <p:nvPr/>
+          </p:nvSpPr>
+          <p:spPr>
+            <a:xfrm>
+              <a:off x="5167860" y="1262341"/>
+              <a:ext cx="6850380" cy="572464"/>
+            </a:xfrm>
+            <a:prstGeom prst="rect">
+              <a:avLst/>
+            </a:prstGeom>
+            <a:noFill/>
+          </p:spPr>
+          <p:txBody>
+            <a:bodyPr wrap="square" lIns="182880" tIns="146304" rIns="182880" bIns="146304" rtlCol="0">
+              <a:spAutoFit/>
+            </a:bodyPr>
+            <a:lstStyle/>
+            <a:p>
+              <a:pPr algn="ctr">
+                <a:lnSpc>
+                  <a:spcPct val="90000"/>
+                </a:lnSpc>
+                <a:spcAft>
+                  <a:spcPts val="600"/>
+                </a:spcAft>
+              </a:pPr>
+              <a:r>
+                <a:rPr lang="en-US" sz="2000" b="1" dirty="0">
+                  <a:gradFill>
+                    <a:gsLst>
+                      <a:gs pos="2917">
+                        <a:schemeClr val="tx1"/>
+                      </a:gs>
+                      <a:gs pos="30000">
+                        <a:schemeClr val="tx1"/>
+                      </a:gs>
+                    </a:gsLst>
+                    <a:lin ang="5400000" scaled="0"/>
+                  </a:gradFill>
+                </a:rPr>
+                <a:t>Customer Azure Account</a:t>
+              </a:r>
+            </a:p>
+          </p:txBody>
+        </p:sp>
+        <p:sp>
+          <p:nvSpPr>
+            <p:cNvPr id="67" name="TextBox 66"/>
+            <p:cNvSpPr txBox="1"/>
+            <p:nvPr/>
+          </p:nvSpPr>
+          <p:spPr>
+            <a:xfrm>
+              <a:off x="373379" y="1246603"/>
+              <a:ext cx="3467101" cy="572464"/>
+            </a:xfrm>
+            <a:prstGeom prst="rect">
+              <a:avLst/>
+            </a:prstGeom>
+            <a:noFill/>
+          </p:spPr>
+          <p:txBody>
+            <a:bodyPr wrap="square" lIns="182880" tIns="146304" rIns="182880" bIns="146304" rtlCol="0">
+              <a:spAutoFit/>
+            </a:bodyPr>
+            <a:lstStyle/>
+            <a:p>
+              <a:pPr algn="ctr">
+                <a:lnSpc>
+                  <a:spcPct val="90000"/>
+                </a:lnSpc>
+                <a:spcAft>
+                  <a:spcPts val="600"/>
+                </a:spcAft>
+              </a:pPr>
+              <a:r>
+                <a:rPr lang="en-US" sz="2000" b="1" dirty="0">
+                  <a:gradFill>
+                    <a:gsLst>
+                      <a:gs pos="2917">
+                        <a:schemeClr val="tx1"/>
+                      </a:gs>
+                      <a:gs pos="30000">
+                        <a:schemeClr val="tx1"/>
+                      </a:gs>
+                    </a:gsLst>
+                    <a:lin ang="5400000" scaled="0"/>
+                  </a:gradFill>
+                </a:rPr>
+                <a:t>Dynamics 365 (Online)</a:t>
+              </a:r>
+            </a:p>
+          </p:txBody>
+        </p:sp>
+      </p:grpSp>
+    </p:spTree>
+    <p:extLst>
+      <p:ext uri="{BB962C8B-B14F-4D97-AF65-F5344CB8AC3E}">
+        <p14:creationId xmlns:p14="http://schemas.microsoft.com/office/powerpoint/2010/main" val="2995331006"/>
+      </p:ext>
+    </p:extLst>
+  </p:cSld>
+  <p:clrMapOvr>
+    <a:masterClrMapping/>
+  </p:clrMapOvr>
+  <mc:AlternateContent xmlns:mc="http://schemas.openxmlformats.org/markup-compatibility/2006" xmlns:p14="http://schemas.microsoft.com/office/powerpoint/2010/main">
+    <mc:Choice Requires="p14">
+      <p:transition p14:dur="0"/>
+    </mc:Choice>
+    <mc:Fallback xmlns="">
+      <p:transition/>
+    </mc:Fallback>
+  </mc:AlternateContent>
+</p:sld>
+</file>
+
+<file path=ppt/slides/slide7.xml><?xml version="1.0" encoding="utf-8"?>
+<p:sld xmlns:a="http://schemas.openxmlformats.org/drawingml/2006/main" xmlns:r="http://schemas.openxmlformats.org/officeDocument/2006/relationships" xmlns:p="http://schemas.openxmlformats.org/presentationml/2006/main">
+  <p:cSld>
+    <p:spTree>
+      <p:nvGrpSpPr>
+        <p:cNvPr id="1" name=""/>
+        <p:cNvGrpSpPr/>
+        <p:nvPr/>
+      </p:nvGrpSpPr>
+      <p:grpSpPr>
+        <a:xfrm>
+          <a:off x="0" y="0"/>
+          <a:ext cx="0" cy="0"/>
+          <a:chOff x="0" y="0"/>
+          <a:chExt cx="0" cy="0"/>
+        </a:xfrm>
+      </p:grpSpPr>
+      <p:sp>
+        <p:nvSpPr>
+          <p:cNvPr id="2" name="Text Placeholder 1">
+            <a:extLst>
+              <a:ext uri="{FF2B5EF4-FFF2-40B4-BE49-F238E27FC236}">
+                <a16:creationId xmlns:a16="http://schemas.microsoft.com/office/drawing/2014/main" id="{676881A1-8D3E-4422-AC8F-4A71A8B90E00}"/>
+              </a:ext>
+            </a:extLst>
+          </p:cNvPr>
+          <p:cNvSpPr>
+            <a:spLocks noGrp="1"/>
+          </p:cNvSpPr>
+          <p:nvPr>
+            <p:ph type="body" sz="quarter" idx="10"/>
+          </p:nvPr>
+        </p:nvSpPr>
+        <p:spPr>
+          <a:xfrm>
+            <a:off x="269240" y="1189178"/>
+            <a:ext cx="11653523" cy="5398401"/>
+          </a:xfrm>
+        </p:spPr>
+        <p:txBody>
+          <a:bodyPr/>
+          <a:lstStyle/>
+          <a:p>
+            <a:pPr marL="0" lvl="0" indent="0">
+              <a:buNone/>
+            </a:pPr>
+            <a:r>
+              <a:rPr lang="en-US" sz="1600" dirty="0"/>
+              <a:t>Getting Started Module</a:t>
+            </a:r>
+          </a:p>
+          <a:p>
+            <a:pPr lvl="0"/>
+            <a:r>
+              <a:rPr lang="en-US" sz="1600" dirty="0"/>
+              <a:t>Unit 1 (the one with arrows and the core subsystems)</a:t>
+            </a:r>
+          </a:p>
+          <a:p>
+            <a:r>
+              <a:rPr lang="en-US" sz="1600" dirty="0"/>
+              <a:t>This one is from the Azure Reference Architecture document, I just added the emphasis on business applications - </a:t>
+            </a:r>
+            <a:r>
+              <a:rPr lang="en-US" sz="1600" u="sng" dirty="0">
+                <a:hlinkClick r:id="rId2"/>
+              </a:rPr>
+              <a:t>https://aka.ms/iotrefarchitecture</a:t>
+            </a:r>
+            <a:r>
+              <a:rPr lang="en-US" sz="1600" dirty="0"/>
+              <a:t> </a:t>
+            </a:r>
+          </a:p>
+          <a:p>
+            <a:pPr marL="0" indent="0">
+              <a:buNone/>
+            </a:pPr>
+            <a:endParaRPr lang="en-US" sz="1600" dirty="0"/>
+          </a:p>
+          <a:p>
+            <a:pPr marL="0" indent="0">
+              <a:buNone/>
+            </a:pPr>
+            <a:r>
+              <a:rPr lang="en-US" sz="1600" dirty="0"/>
+              <a:t>Identify Exceptions</a:t>
+            </a:r>
+          </a:p>
+          <a:p>
+            <a:pPr lvl="0"/>
+            <a:r>
+              <a:rPr lang="en-US" sz="1600" dirty="0"/>
+              <a:t>Unit 5 – a 10 second tumbling window</a:t>
+            </a:r>
+          </a:p>
+          <a:p>
+            <a:r>
+              <a:rPr lang="en-US" sz="1600" dirty="0"/>
+              <a:t>This one is a cropped version of the Tumbling window diagram here without the query showing </a:t>
+            </a:r>
+            <a:r>
+              <a:rPr lang="en-US" sz="1600" u="sng" dirty="0">
+                <a:hlinkClick r:id="rId3"/>
+              </a:rPr>
+              <a:t>https://docs.microsoft.com/en-us/azure/stream-analytics/stream-analytics-window-functions</a:t>
+            </a:r>
+            <a:r>
+              <a:rPr lang="en-US" sz="1600" dirty="0"/>
+              <a:t> </a:t>
+            </a:r>
+          </a:p>
+          <a:p>
+            <a:endParaRPr lang="en-US" sz="1600" dirty="0"/>
+          </a:p>
+          <a:p>
+            <a:pPr marL="0" indent="0">
+              <a:buNone/>
+            </a:pPr>
+            <a:r>
+              <a:rPr lang="en-US" sz="1600" dirty="0"/>
+              <a:t>Using IoT Central</a:t>
+            </a:r>
+          </a:p>
+          <a:p>
+            <a:pPr lvl="0"/>
+            <a:r>
+              <a:rPr lang="en-US" sz="1600" dirty="0"/>
+              <a:t>Unit 1 flow chart and the second block diagram</a:t>
+            </a:r>
+          </a:p>
+          <a:p>
+            <a:r>
+              <a:rPr lang="en-US" sz="1600" dirty="0"/>
+              <a:t>Flow chart is from the release notes – here </a:t>
+            </a:r>
+            <a:r>
+              <a:rPr lang="en-US" sz="1600" u="sng" dirty="0">
+                <a:hlinkClick r:id="rId4"/>
+              </a:rPr>
+              <a:t>https://docs.microsoft.com/en-us/business-applications-release-notes/october18/service/field-service/connected-field-service/enhanced-iot-central-integration</a:t>
+            </a:r>
+            <a:r>
+              <a:rPr lang="en-US" sz="1600" dirty="0"/>
+              <a:t> </a:t>
+            </a:r>
+          </a:p>
+          <a:p>
+            <a:r>
+              <a:rPr lang="en-US" sz="1600" dirty="0"/>
+              <a:t>Second is from </a:t>
+            </a:r>
+            <a:r>
+              <a:rPr lang="en-US" sz="1600" dirty="0" err="1"/>
+              <a:t>Iot</a:t>
+            </a:r>
+            <a:r>
+              <a:rPr lang="en-US" sz="1600" dirty="0"/>
+              <a:t> Central – Metadata management section here - </a:t>
+            </a:r>
+            <a:r>
+              <a:rPr lang="en-US" sz="1600" u="sng" dirty="0">
+                <a:hlinkClick r:id="rId5"/>
+              </a:rPr>
+              <a:t>https://docs.microsoft.com/en-us/azure/iot-central/concepts-architecture</a:t>
+            </a:r>
+            <a:r>
+              <a:rPr lang="en-US" sz="1600" dirty="0"/>
+              <a:t> </a:t>
+            </a:r>
+          </a:p>
+          <a:p>
+            <a:endParaRPr lang="en-US" sz="1600" dirty="0"/>
+          </a:p>
+        </p:txBody>
+      </p:sp>
+    </p:spTree>
+    <p:extLst>
+      <p:ext uri="{BB962C8B-B14F-4D97-AF65-F5344CB8AC3E}">
+        <p14:creationId xmlns:p14="http://schemas.microsoft.com/office/powerpoint/2010/main" val="411051598"/>
+      </p:ext>
+    </p:extLst>
+  </p:cSld>
+  <p:clrMapOvr>
+    <a:masterClrMapping/>
+  </p:clrMapOvr>
+  <mc:AlternateContent xmlns:mc="http://schemas.openxmlformats.org/markup-compatibility/2006" xmlns:p14="http://schemas.microsoft.com/office/powerpoint/2010/main">
+    <mc:Choice Requires="p14">
+      <p:transition spd="med" p14:dur="700">
+        <p:fade/>
+      </p:transition>
+    </mc:Choice>
+    <mc:Fallback xmlns="">
+      <p:transition spd="med">
+        <p:fade/>
+      </p:transition>
+    </mc:Fallback>
+  </mc:AlternateContent>
+</p:sld>
+</file>
+
 <file path=ppt/theme/theme1.xml><?xml version="1.0" encoding="utf-8"?>
 <a:theme xmlns:a="http://schemas.openxmlformats.org/drawingml/2006/main" name="Office Theme">
   <a:themeElements>
@@ -6469,4 +10737,299 @@
     </a:ext>
   </a:extLst>
 </a:theme>
+</file>
+
+<file path=ppt/theme/theme2.xml><?xml version="1.0" encoding="utf-8"?>
+<a:theme xmlns:a="http://schemas.openxmlformats.org/drawingml/2006/main" name="Office Theme">
+  <a:themeElements>
+    <a:clrScheme name="Office">
+      <a:dk1>
+        <a:sysClr val="windowText" lastClr="000000"/>
+      </a:dk1>
+      <a:lt1>
+        <a:sysClr val="window" lastClr="FFFFFF"/>
+      </a:lt1>
+      <a:dk2>
+        <a:srgbClr val="44546A"/>
+      </a:dk2>
+      <a:lt2>
+        <a:srgbClr val="E7E6E6"/>
+      </a:lt2>
+      <a:accent1>
+        <a:srgbClr val="4472C4"/>
+      </a:accent1>
+      <a:accent2>
+        <a:srgbClr val="ED7D31"/>
+      </a:accent2>
+      <a:accent3>
+        <a:srgbClr val="A5A5A5"/>
+      </a:accent3>
+      <a:accent4>
+        <a:srgbClr val="FFC000"/>
+      </a:accent4>
+      <a:accent5>
+        <a:srgbClr val="5B9BD5"/>
+      </a:accent5>
+      <a:accent6>
+        <a:srgbClr val="70AD47"/>
+      </a:accent6>
+      <a:hlink>
+        <a:srgbClr val="0563C1"/>
+      </a:hlink>
+      <a:folHlink>
+        <a:srgbClr val="954F72"/>
+      </a:folHlink>
+    </a:clrScheme>
+    <a:fontScheme name="Office">
+      <a:majorFont>
+        <a:latin typeface="Calibri Light" panose="020F0302020204030204"/>
+        <a:ea typeface=""/>
+        <a:cs typeface=""/>
+        <a:font script="Jpan" typeface="游ゴシック Light"/>
+        <a:font script="Hang" typeface="맑은 고딕"/>
+        <a:font script="Hans" typeface="等线 Light"/>
+        <a:font script="Hant" typeface="新細明體"/>
+        <a:font script="Arab" typeface="Times New Roman"/>
+        <a:font script="Hebr" typeface="Times New Roman"/>
+        <a:font script="Thai" typeface="Angsana New"/>
+        <a:font script="Ethi" typeface="Nyala"/>
+        <a:font script="Beng" typeface="Vrinda"/>
+        <a:font script="Gujr" typeface="Shruti"/>
+        <a:font script="Khmr" typeface="MoolBoran"/>
+        <a:font script="Knda" typeface="Tunga"/>
+        <a:font script="Guru" typeface="Raavi"/>
+        <a:font script="Cans" typeface="Euphemia"/>
+        <a:font script="Cher" typeface="Plantagenet Cherokee"/>
+        <a:font script="Yiii" typeface="Microsoft Yi Baiti"/>
+        <a:font script="Tibt" typeface="Microsoft Himalaya"/>
+        <a:font script="Thaa" typeface="MV Boli"/>
+        <a:font script="Deva" typeface="Mangal"/>
+        <a:font script="Telu" typeface="Gautami"/>
+        <a:font script="Taml" typeface="Latha"/>
+        <a:font script="Syrc" typeface="Estrangelo Edessa"/>
+        <a:font script="Orya" typeface="Kalinga"/>
+        <a:font script="Mlym" typeface="Kartika"/>
+        <a:font script="Laoo" typeface="DokChampa"/>
+        <a:font script="Sinh" typeface="Iskoola Pota"/>
+        <a:font script="Mong" typeface="Mongolian Baiti"/>
+        <a:font script="Viet" typeface="Times New Roman"/>
+        <a:font script="Uigh" typeface="Microsoft Uighur"/>
+        <a:font script="Geor" typeface="Sylfaen"/>
+        <a:font script="Armn" typeface="Arial"/>
+        <a:font script="Bugi" typeface="Leelawadee UI"/>
+        <a:font script="Bopo" typeface="Microsoft JhengHei"/>
+        <a:font script="Java" typeface="Javanese Text"/>
+        <a:font script="Lisu" typeface="Segoe UI"/>
+        <a:font script="Mymr" typeface="Myanmar Text"/>
+        <a:font script="Nkoo" typeface="Ebrima"/>
+        <a:font script="Olck" typeface="Nirmala UI"/>
+        <a:font script="Osma" typeface="Ebrima"/>
+        <a:font script="Phag" typeface="Phagspa"/>
+        <a:font script="Syrn" typeface="Estrangelo Edessa"/>
+        <a:font script="Syrj" typeface="Estrangelo Edessa"/>
+        <a:font script="Syre" typeface="Estrangelo Edessa"/>
+        <a:font script="Sora" typeface="Nirmala UI"/>
+        <a:font script="Tale" typeface="Microsoft Tai Le"/>
+        <a:font script="Talu" typeface="Microsoft New Tai Lue"/>
+        <a:font script="Tfng" typeface="Ebrima"/>
+      </a:majorFont>
+      <a:minorFont>
+        <a:latin typeface="Calibri" panose="020F0502020204030204"/>
+        <a:ea typeface=""/>
+        <a:cs typeface=""/>
+        <a:font script="Jpan" typeface="游ゴシック"/>
+        <a:font script="Hang" typeface="맑은 고딕"/>
+        <a:font script="Hans" typeface="等线"/>
+        <a:font script="Hant" typeface="新細明體"/>
+        <a:font script="Arab" typeface="Arial"/>
+        <a:font script="Hebr" typeface="Arial"/>
+        <a:font script="Thai" typeface="Cordia New"/>
+        <a:font script="Ethi" typeface="Nyala"/>
+        <a:font script="Beng" typeface="Vrinda"/>
+        <a:font script="Gujr" typeface="Shruti"/>
+        <a:font script="Khmr" typeface="DaunPenh"/>
+        <a:font script="Knda" typeface="Tunga"/>
+        <a:font script="Guru" typeface="Raavi"/>
+        <a:font script="Cans" typeface="Euphemia"/>
+        <a:font script="Cher" typeface="Plantagenet Cherokee"/>
+        <a:font script="Yiii" typeface="Microsoft Yi Baiti"/>
+        <a:font script="Tibt" typeface="Microsoft Himalaya"/>
+        <a:font script="Thaa" typeface="MV Boli"/>
+        <a:font script="Deva" typeface="Mangal"/>
+        <a:font script="Telu" typeface="Gautami"/>
+        <a:font script="Taml" typeface="Latha"/>
+        <a:font script="Syrc" typeface="Estrangelo Edessa"/>
+        <a:font script="Orya" typeface="Kalinga"/>
+        <a:font script="Mlym" typeface="Kartika"/>
+        <a:font script="Laoo" typeface="DokChampa"/>
+        <a:font script="Sinh" typeface="Iskoola Pota"/>
+        <a:font script="Mong" typeface="Mongolian Baiti"/>
+        <a:font script="Viet" typeface="Arial"/>
+        <a:font script="Uigh" typeface="Microsoft Uighur"/>
+        <a:font script="Geor" typeface="Sylfaen"/>
+        <a:font script="Armn" typeface="Arial"/>
+        <a:font script="Bugi" typeface="Leelawadee UI"/>
+        <a:font script="Bopo" typeface="Microsoft JhengHei"/>
+        <a:font script="Java" typeface="Javanese Text"/>
+        <a:font script="Lisu" typeface="Segoe UI"/>
+        <a:font script="Mymr" typeface="Myanmar Text"/>
+        <a:font script="Nkoo" typeface="Ebrima"/>
+        <a:font script="Olck" typeface="Nirmala UI"/>
+        <a:font script="Osma" typeface="Ebrima"/>
+        <a:font script="Phag" typeface="Phagspa"/>
+        <a:font script="Syrn" typeface="Estrangelo Edessa"/>
+        <a:font script="Syrj" typeface="Estrangelo Edessa"/>
+        <a:font script="Syre" typeface="Estrangelo Edessa"/>
+        <a:font script="Sora" typeface="Nirmala UI"/>
+        <a:font script="Tale" typeface="Microsoft Tai Le"/>
+        <a:font script="Talu" typeface="Microsoft New Tai Lue"/>
+        <a:font script="Tfng" typeface="Ebrima"/>
+      </a:minorFont>
+    </a:fontScheme>
+    <a:fmtScheme name="Office">
+      <a:fillStyleLst>
+        <a:solidFill>
+          <a:schemeClr val="phClr"/>
+        </a:solidFill>
+        <a:gradFill rotWithShape="1">
+          <a:gsLst>
+            <a:gs pos="0">
+              <a:schemeClr val="phClr">
+                <a:lumMod val="110000"/>
+                <a:satMod val="105000"/>
+                <a:tint val="67000"/>
+              </a:schemeClr>
+            </a:gs>
+            <a:gs pos="50000">
+              <a:schemeClr val="phClr">
+                <a:lumMod val="105000"/>
+                <a:satMod val="103000"/>
+                <a:tint val="73000"/>
+              </a:schemeClr>
+            </a:gs>
+            <a:gs pos="100000">
+              <a:schemeClr val="phClr">
+                <a:lumMod val="105000"/>
+                <a:satMod val="109000"/>
+                <a:tint val="81000"/>
+              </a:schemeClr>
+            </a:gs>
+          </a:gsLst>
+          <a:lin ang="5400000" scaled="0"/>
+        </a:gradFill>
+        <a:gradFill rotWithShape="1">
+          <a:gsLst>
+            <a:gs pos="0">
+              <a:schemeClr val="phClr">
+                <a:satMod val="103000"/>
+                <a:lumMod val="102000"/>
+                <a:tint val="94000"/>
+              </a:schemeClr>
+            </a:gs>
+            <a:gs pos="50000">
+              <a:schemeClr val="phClr">
+                <a:satMod val="110000"/>
+                <a:lumMod val="100000"/>
+                <a:shade val="100000"/>
+              </a:schemeClr>
+            </a:gs>
+            <a:gs pos="100000">
+              <a:schemeClr val="phClr">
+                <a:lumMod val="99000"/>
+                <a:satMod val="120000"/>
+                <a:shade val="78000"/>
+              </a:schemeClr>
+            </a:gs>
+          </a:gsLst>
+          <a:lin ang="5400000" scaled="0"/>
+        </a:gradFill>
+      </a:fillStyleLst>
+      <a:lnStyleLst>
+        <a:ln w="6350" cap="flat" cmpd="sng" algn="ctr">
+          <a:solidFill>
+            <a:schemeClr val="phClr"/>
+          </a:solidFill>
+          <a:prstDash val="solid"/>
+          <a:miter lim="800000"/>
+        </a:ln>
+        <a:ln w="12700" cap="flat" cmpd="sng" algn="ctr">
+          <a:solidFill>
+            <a:schemeClr val="phClr"/>
+          </a:solidFill>
+          <a:prstDash val="solid"/>
+          <a:miter lim="800000"/>
+        </a:ln>
+        <a:ln w="19050" cap="flat" cmpd="sng" algn="ctr">
+          <a:solidFill>
+            <a:schemeClr val="phClr"/>
+          </a:solidFill>
+          <a:prstDash val="solid"/>
+          <a:miter lim="800000"/>
+        </a:ln>
+      </a:lnStyleLst>
+      <a:effectStyleLst>
+        <a:effectStyle>
+          <a:effectLst/>
+        </a:effectStyle>
+        <a:effectStyle>
+          <a:effectLst/>
+        </a:effectStyle>
+        <a:effectStyle>
+          <a:effectLst>
+            <a:outerShdw blurRad="57150" dist="19050" dir="5400000" algn="ctr" rotWithShape="0">
+              <a:srgbClr val="000000">
+                <a:alpha val="63000"/>
+              </a:srgbClr>
+            </a:outerShdw>
+          </a:effectLst>
+        </a:effectStyle>
+      </a:effectStyleLst>
+      <a:bgFillStyleLst>
+        <a:solidFill>
+          <a:schemeClr val="phClr"/>
+        </a:solidFill>
+        <a:solidFill>
+          <a:schemeClr val="phClr">
+            <a:tint val="95000"/>
+            <a:satMod val="170000"/>
+          </a:schemeClr>
+        </a:solidFill>
+        <a:gradFill rotWithShape="1">
+          <a:gsLst>
+            <a:gs pos="0">
+              <a:schemeClr val="phClr">
+                <a:tint val="93000"/>
+                <a:satMod val="150000"/>
+                <a:shade val="98000"/>
+                <a:lumMod val="102000"/>
+              </a:schemeClr>
+            </a:gs>
+            <a:gs pos="50000">
+              <a:schemeClr val="phClr">
+                <a:tint val="98000"/>
+                <a:satMod val="130000"/>
+                <a:shade val="90000"/>
+                <a:lumMod val="103000"/>
+              </a:schemeClr>
+            </a:gs>
+            <a:gs pos="100000">
+              <a:schemeClr val="phClr">
+                <a:shade val="63000"/>
+                <a:satMod val="120000"/>
+              </a:schemeClr>
+            </a:gs>
+          </a:gsLst>
+          <a:lin ang="5400000" scaled="0"/>
+        </a:gradFill>
+      </a:bgFillStyleLst>
+    </a:fmtScheme>
+  </a:themeElements>
+  <a:objectDefaults/>
+  <a:extraClrSchemeLst/>
+  <a:extLst>
+    <a:ext uri="{05A4C25C-085E-4340-85A3-A5531E510DB2}">
+      <thm15:themeFamily xmlns:thm15="http://schemas.microsoft.com/office/thememl/2012/main" name="Office Theme" id="{62F939B6-93AF-4DB8-9C6B-D6C7DFDC589F}" vid="{4A3C46E8-61CC-4603-A589-7422A47A8E4A}"/>
+    </a:ext>
+  </a:extLst>
+</a:theme>
 </file>